--- a/graphs/geo-utils-uml.pptx
+++ b/graphs/geo-utils-uml.pptx
@@ -104,6 +104,11 @@
       </a:defRPr>
     </a:lvl9pPr>
   </p:defaultTextStyle>
+  <p:extLst>
+    <p:ext uri="{EFAFB233-063F-42B5-8137-9DF3F51BA10A}">
+      <p15:sldGuideLst xmlns:p15="http://schemas.microsoft.com/office/powerpoint/2012/main"/>
+    </p:ext>
+  </p:extLst>
 </p:presentation>
 </file>
 
@@ -238,7 +243,7 @@
           <a:p>
             <a:fld id="{F26F8DF3-DDE4-4A22-B8E4-10B2EE9930CA}" type="datetimeFigureOut">
               <a:rPr lang="en-US" smtClean="0"/>
-              <a:t>7/1/2020</a:t>
+              <a:t>7/3/2020</a:t>
             </a:fld>
             <a:endParaRPr lang="en-US"/>
           </a:p>
@@ -408,7 +413,7 @@
           <a:p>
             <a:fld id="{F26F8DF3-DDE4-4A22-B8E4-10B2EE9930CA}" type="datetimeFigureOut">
               <a:rPr lang="en-US" smtClean="0"/>
-              <a:t>7/1/2020</a:t>
+              <a:t>7/3/2020</a:t>
             </a:fld>
             <a:endParaRPr lang="en-US"/>
           </a:p>
@@ -588,7 +593,7 @@
           <a:p>
             <a:fld id="{F26F8DF3-DDE4-4A22-B8E4-10B2EE9930CA}" type="datetimeFigureOut">
               <a:rPr lang="en-US" smtClean="0"/>
-              <a:t>7/1/2020</a:t>
+              <a:t>7/3/2020</a:t>
             </a:fld>
             <a:endParaRPr lang="en-US"/>
           </a:p>
@@ -758,7 +763,7 @@
           <a:p>
             <a:fld id="{F26F8DF3-DDE4-4A22-B8E4-10B2EE9930CA}" type="datetimeFigureOut">
               <a:rPr lang="en-US" smtClean="0"/>
-              <a:t>7/1/2020</a:t>
+              <a:t>7/3/2020</a:t>
             </a:fld>
             <a:endParaRPr lang="en-US"/>
           </a:p>
@@ -1002,7 +1007,7 @@
           <a:p>
             <a:fld id="{F26F8DF3-DDE4-4A22-B8E4-10B2EE9930CA}" type="datetimeFigureOut">
               <a:rPr lang="en-US" smtClean="0"/>
-              <a:t>7/1/2020</a:t>
+              <a:t>7/3/2020</a:t>
             </a:fld>
             <a:endParaRPr lang="en-US"/>
           </a:p>
@@ -1234,7 +1239,7 @@
           <a:p>
             <a:fld id="{F26F8DF3-DDE4-4A22-B8E4-10B2EE9930CA}" type="datetimeFigureOut">
               <a:rPr lang="en-US" smtClean="0"/>
-              <a:t>7/1/2020</a:t>
+              <a:t>7/3/2020</a:t>
             </a:fld>
             <a:endParaRPr lang="en-US"/>
           </a:p>
@@ -1601,7 +1606,7 @@
           <a:p>
             <a:fld id="{F26F8DF3-DDE4-4A22-B8E4-10B2EE9930CA}" type="datetimeFigureOut">
               <a:rPr lang="en-US" smtClean="0"/>
-              <a:t>7/1/2020</a:t>
+              <a:t>7/3/2020</a:t>
             </a:fld>
             <a:endParaRPr lang="en-US"/>
           </a:p>
@@ -1719,7 +1724,7 @@
           <a:p>
             <a:fld id="{F26F8DF3-DDE4-4A22-B8E4-10B2EE9930CA}" type="datetimeFigureOut">
               <a:rPr lang="en-US" smtClean="0"/>
-              <a:t>7/1/2020</a:t>
+              <a:t>7/3/2020</a:t>
             </a:fld>
             <a:endParaRPr lang="en-US"/>
           </a:p>
@@ -1814,7 +1819,7 @@
           <a:p>
             <a:fld id="{F26F8DF3-DDE4-4A22-B8E4-10B2EE9930CA}" type="datetimeFigureOut">
               <a:rPr lang="en-US" smtClean="0"/>
-              <a:t>7/1/2020</a:t>
+              <a:t>7/3/2020</a:t>
             </a:fld>
             <a:endParaRPr lang="en-US"/>
           </a:p>
@@ -2091,7 +2096,7 @@
           <a:p>
             <a:fld id="{F26F8DF3-DDE4-4A22-B8E4-10B2EE9930CA}" type="datetimeFigureOut">
               <a:rPr lang="en-US" smtClean="0"/>
-              <a:t>7/1/2020</a:t>
+              <a:t>7/3/2020</a:t>
             </a:fld>
             <a:endParaRPr lang="en-US"/>
           </a:p>
@@ -2348,7 +2353,7 @@
           <a:p>
             <a:fld id="{F26F8DF3-DDE4-4A22-B8E4-10B2EE9930CA}" type="datetimeFigureOut">
               <a:rPr lang="en-US" smtClean="0"/>
-              <a:t>7/1/2020</a:t>
+              <a:t>7/3/2020</a:t>
             </a:fld>
             <a:endParaRPr lang="en-US"/>
           </a:p>
@@ -2562,7 +2567,7 @@
             <a:fld id="{F26F8DF3-DDE4-4A22-B8E4-10B2EE9930CA}" type="datetimeFigureOut">
               <a:rPr lang="en-US" smtClean="0"/>
               <a:pPr/>
-              <a:t>7/1/2020</a:t>
+              <a:t>7/3/2020</a:t>
             </a:fld>
             <a:endParaRPr lang="en-US"/>
           </a:p>
@@ -3774,13 +3779,13 @@
                 </a:spcAft>
               </a:pPr>
               <a:r>
-                <a:rPr lang="en-US" altLang="en-US" sz="1200" dirty="0">
+                <a:rPr lang="en-US" altLang="en-US" sz="1200" dirty="0" smtClean="0">
                   <a:solidFill>
                     <a:srgbClr val="FFC66D"/>
                   </a:solidFill>
                   <a:latin typeface="Consolas" panose="020B0609020204030204" pitchFamily="49" charset="0"/>
                 </a:rPr>
-                <a:t>raster2polygon</a:t>
+                <a:t>raster2line</a:t>
               </a:r>
               <a:endParaRPr lang="en-US" altLang="en-US" sz="1200" dirty="0">
                 <a:latin typeface="Arial" panose="020B0604020202020204" pitchFamily="34" charset="0"/>
@@ -4445,14 +4450,14 @@
           <p:cNvPr id="46" name="Elbow Connector 45"/>
           <p:cNvCxnSpPr>
             <a:stCxn id="13" idx="1"/>
-            <a:endCxn id="19" idx="3"/>
+            <a:endCxn id="38" idx="3"/>
           </p:cNvCxnSpPr>
           <p:nvPr/>
         </p:nvCxnSpPr>
         <p:spPr>
           <a:xfrm rot="10800000" flipV="1">
-            <a:off x="4663415" y="991611"/>
-            <a:ext cx="619610" cy="2724253"/>
+            <a:off x="4663415" y="991610"/>
+            <a:ext cx="619610" cy="3001453"/>
           </a:xfrm>
           <a:prstGeom prst="bentConnector3">
             <a:avLst>
@@ -4679,6 +4684,252 @@
                 <a:lumMod val="60000"/>
                 <a:lumOff val="40000"/>
               </a:schemeClr>
+            </a:solidFill>
+            <a:tailEnd type="triangle" w="med" len="med"/>
+          </a:ln>
+        </p:spPr>
+        <p:style>
+          <a:lnRef idx="1">
+            <a:schemeClr val="accent1"/>
+          </a:lnRef>
+          <a:fillRef idx="0">
+            <a:schemeClr val="accent1"/>
+          </a:fillRef>
+          <a:effectRef idx="0">
+            <a:schemeClr val="accent1"/>
+          </a:effectRef>
+          <a:fontRef idx="minor">
+            <a:schemeClr val="tx1"/>
+          </a:fontRef>
+        </p:style>
+      </p:cxnSp>
+      <p:sp>
+        <p:nvSpPr>
+          <p:cNvPr id="38" name="Rectangle 12"/>
+          <p:cNvSpPr>
+            <a:spLocks noChangeArrowheads="1"/>
+          </p:cNvSpPr>
+          <p:nvPr/>
+        </p:nvSpPr>
+        <p:spPr bwMode="auto">
+          <a:xfrm>
+            <a:off x="2723015" y="3854464"/>
+            <a:ext cx="1940400" cy="277200"/>
+          </a:xfrm>
+          <a:prstGeom prst="rect">
+            <a:avLst/>
+          </a:prstGeom>
+          <a:solidFill>
+            <a:schemeClr val="bg2">
+              <a:lumMod val="50000"/>
+            </a:schemeClr>
+          </a:solidFill>
+          <a:ln w="12700">
+            <a:solidFill>
+              <a:schemeClr val="bg1"/>
+            </a:solidFill>
+          </a:ln>
+          <a:effectLst/>
+        </p:spPr>
+        <p:txBody>
+          <a:bodyPr vert="horz" wrap="square" lIns="91440" tIns="45720" rIns="91440" bIns="45720" numCol="1" anchor="ctr" anchorCtr="0" compatLnSpc="1">
+            <a:prstTxWarp prst="textNoShape">
+              <a:avLst/>
+            </a:prstTxWarp>
+            <a:spAutoFit/>
+          </a:bodyPr>
+          <a:lstStyle/>
+          <a:p>
+            <a:pPr algn="ctr" defTabSz="914400" eaLnBrk="0" fontAlgn="base" hangingPunct="0">
+              <a:spcBef>
+                <a:spcPct val="0"/>
+              </a:spcBef>
+              <a:spcAft>
+                <a:spcPct val="0"/>
+              </a:spcAft>
+            </a:pPr>
+            <a:r>
+              <a:rPr lang="en-US" altLang="en-US" sz="1200" dirty="0">
+                <a:solidFill>
+                  <a:srgbClr val="FFC66D"/>
+                </a:solidFill>
+                <a:latin typeface="Consolas" panose="020B0609020204030204" pitchFamily="49" charset="0"/>
+              </a:rPr>
+              <a:t>raster2polygon</a:t>
+            </a:r>
+            <a:endParaRPr lang="en-US" altLang="en-US" sz="1200" dirty="0">
+              <a:latin typeface="Arial" panose="020B0604020202020204" pitchFamily="34" charset="0"/>
+            </a:endParaRPr>
+          </a:p>
+        </p:txBody>
+      </p:sp>
+      <p:sp>
+        <p:nvSpPr>
+          <p:cNvPr id="40" name="Rectangle 12"/>
+          <p:cNvSpPr>
+            <a:spLocks noChangeArrowheads="1"/>
+          </p:cNvSpPr>
+          <p:nvPr/>
+        </p:nvSpPr>
+        <p:spPr bwMode="auto">
+          <a:xfrm>
+            <a:off x="2723015" y="4133228"/>
+            <a:ext cx="1940400" cy="277200"/>
+          </a:xfrm>
+          <a:prstGeom prst="rect">
+            <a:avLst/>
+          </a:prstGeom>
+          <a:solidFill>
+            <a:schemeClr val="bg2">
+              <a:lumMod val="50000"/>
+            </a:schemeClr>
+          </a:solidFill>
+          <a:ln w="12700">
+            <a:solidFill>
+              <a:schemeClr val="bg1"/>
+            </a:solidFill>
+          </a:ln>
+          <a:effectLst/>
+        </p:spPr>
+        <p:txBody>
+          <a:bodyPr vert="horz" wrap="square" lIns="91440" tIns="45720" rIns="91440" bIns="45720" numCol="1" anchor="ctr" anchorCtr="0" compatLnSpc="1">
+            <a:prstTxWarp prst="textNoShape">
+              <a:avLst/>
+            </a:prstTxWarp>
+            <a:spAutoFit/>
+          </a:bodyPr>
+          <a:lstStyle/>
+          <a:p>
+            <a:pPr algn="ctr" defTabSz="914400" eaLnBrk="0" fontAlgn="base" hangingPunct="0">
+              <a:spcBef>
+                <a:spcPct val="0"/>
+              </a:spcBef>
+              <a:spcAft>
+                <a:spcPct val="0"/>
+              </a:spcAft>
+            </a:pPr>
+            <a:r>
+              <a:rPr lang="en-US" altLang="en-US" sz="1200" dirty="0" smtClean="0">
+                <a:solidFill>
+                  <a:srgbClr val="FFC66D"/>
+                </a:solidFill>
+                <a:latin typeface="Consolas" panose="020B0609020204030204" pitchFamily="49" charset="0"/>
+              </a:rPr>
+              <a:t>coords2offset</a:t>
+            </a:r>
+            <a:endParaRPr lang="en-US" altLang="en-US" sz="1200" dirty="0">
+              <a:latin typeface="Arial" panose="020B0604020202020204" pitchFamily="34" charset="0"/>
+            </a:endParaRPr>
+          </a:p>
+        </p:txBody>
+      </p:sp>
+      <p:cxnSp>
+        <p:nvCxnSpPr>
+          <p:cNvPr id="41" name="Elbow Connector 40"/>
+          <p:cNvCxnSpPr>
+            <a:stCxn id="40" idx="1"/>
+            <a:endCxn id="19" idx="1"/>
+          </p:cNvCxnSpPr>
+          <p:nvPr/>
+        </p:nvCxnSpPr>
+        <p:spPr>
+          <a:xfrm rot="10800000">
+            <a:off x="2723015" y="3715864"/>
+            <a:ext cx="12700" cy="555964"/>
+          </a:xfrm>
+          <a:prstGeom prst="bentConnector3">
+            <a:avLst>
+              <a:gd name="adj1" fmla="val 1462504"/>
+            </a:avLst>
+          </a:prstGeom>
+          <a:ln w="12700">
+            <a:solidFill>
+              <a:schemeClr val="accent4">
+                <a:lumMod val="60000"/>
+                <a:lumOff val="40000"/>
+              </a:schemeClr>
+            </a:solidFill>
+            <a:tailEnd type="triangle" w="lg" len="med"/>
+          </a:ln>
+        </p:spPr>
+        <p:style>
+          <a:lnRef idx="1">
+            <a:schemeClr val="accent1"/>
+          </a:lnRef>
+          <a:fillRef idx="0">
+            <a:schemeClr val="accent1"/>
+          </a:fillRef>
+          <a:effectRef idx="0">
+            <a:schemeClr val="accent1"/>
+          </a:effectRef>
+          <a:fontRef idx="minor">
+            <a:schemeClr val="tx1"/>
+          </a:fontRef>
+        </p:style>
+      </p:cxnSp>
+      <p:cxnSp>
+        <p:nvCxnSpPr>
+          <p:cNvPr id="44" name="Elbow Connector 43"/>
+          <p:cNvCxnSpPr>
+            <a:stCxn id="12" idx="3"/>
+            <a:endCxn id="19" idx="1"/>
+          </p:cNvCxnSpPr>
+          <p:nvPr/>
+        </p:nvCxnSpPr>
+        <p:spPr>
+          <a:xfrm>
+            <a:off x="2419678" y="1560322"/>
+            <a:ext cx="303337" cy="2155542"/>
+          </a:xfrm>
+          <a:prstGeom prst="bentConnector3">
+            <a:avLst>
+              <a:gd name="adj1" fmla="val 14949"/>
+            </a:avLst>
+          </a:prstGeom>
+          <a:ln w="12700">
+            <a:solidFill>
+              <a:schemeClr val="accent3"/>
+            </a:solidFill>
+            <a:tailEnd type="triangle" w="med" len="med"/>
+          </a:ln>
+        </p:spPr>
+        <p:style>
+          <a:lnRef idx="1">
+            <a:schemeClr val="accent1"/>
+          </a:lnRef>
+          <a:fillRef idx="0">
+            <a:schemeClr val="accent1"/>
+          </a:fillRef>
+          <a:effectRef idx="0">
+            <a:schemeClr val="accent1"/>
+          </a:effectRef>
+          <a:fontRef idx="minor">
+            <a:schemeClr val="tx1"/>
+          </a:fontRef>
+        </p:style>
+      </p:cxnSp>
+      <p:cxnSp>
+        <p:nvCxnSpPr>
+          <p:cNvPr id="50" name="Elbow Connector 49"/>
+          <p:cNvCxnSpPr>
+            <a:stCxn id="12" idx="3"/>
+            <a:endCxn id="38" idx="1"/>
+          </p:cNvCxnSpPr>
+          <p:nvPr/>
+        </p:nvCxnSpPr>
+        <p:spPr>
+          <a:xfrm>
+            <a:off x="2419678" y="1560322"/>
+            <a:ext cx="303337" cy="2432742"/>
+          </a:xfrm>
+          <a:prstGeom prst="bentConnector3">
+            <a:avLst>
+              <a:gd name="adj1" fmla="val 14948"/>
+            </a:avLst>
+          </a:prstGeom>
+          <a:ln w="12700">
+            <a:solidFill>
+              <a:schemeClr val="accent3"/>
             </a:solidFill>
             <a:tailEnd type="triangle" w="med" len="med"/>
           </a:ln>

--- a/graphs/geo-utils-uml.pptx
+++ b/graphs/geo-utils-uml.pptx
@@ -243,7 +243,7 @@
           <a:p>
             <a:fld id="{F26F8DF3-DDE4-4A22-B8E4-10B2EE9930CA}" type="datetimeFigureOut">
               <a:rPr lang="en-US" smtClean="0"/>
-              <a:t>7/3/2020</a:t>
+              <a:t>7/9/2020</a:t>
             </a:fld>
             <a:endParaRPr lang="en-US"/>
           </a:p>
@@ -413,7 +413,7 @@
           <a:p>
             <a:fld id="{F26F8DF3-DDE4-4A22-B8E4-10B2EE9930CA}" type="datetimeFigureOut">
               <a:rPr lang="en-US" smtClean="0"/>
-              <a:t>7/3/2020</a:t>
+              <a:t>7/9/2020</a:t>
             </a:fld>
             <a:endParaRPr lang="en-US"/>
           </a:p>
@@ -593,7 +593,7 @@
           <a:p>
             <a:fld id="{F26F8DF3-DDE4-4A22-B8E4-10B2EE9930CA}" type="datetimeFigureOut">
               <a:rPr lang="en-US" smtClean="0"/>
-              <a:t>7/3/2020</a:t>
+              <a:t>7/9/2020</a:t>
             </a:fld>
             <a:endParaRPr lang="en-US"/>
           </a:p>
@@ -763,7 +763,7 @@
           <a:p>
             <a:fld id="{F26F8DF3-DDE4-4A22-B8E4-10B2EE9930CA}" type="datetimeFigureOut">
               <a:rPr lang="en-US" smtClean="0"/>
-              <a:t>7/3/2020</a:t>
+              <a:t>7/9/2020</a:t>
             </a:fld>
             <a:endParaRPr lang="en-US"/>
           </a:p>
@@ -1007,7 +1007,7 @@
           <a:p>
             <a:fld id="{F26F8DF3-DDE4-4A22-B8E4-10B2EE9930CA}" type="datetimeFigureOut">
               <a:rPr lang="en-US" smtClean="0"/>
-              <a:t>7/3/2020</a:t>
+              <a:t>7/9/2020</a:t>
             </a:fld>
             <a:endParaRPr lang="en-US"/>
           </a:p>
@@ -1239,7 +1239,7 @@
           <a:p>
             <a:fld id="{F26F8DF3-DDE4-4A22-B8E4-10B2EE9930CA}" type="datetimeFigureOut">
               <a:rPr lang="en-US" smtClean="0"/>
-              <a:t>7/3/2020</a:t>
+              <a:t>7/9/2020</a:t>
             </a:fld>
             <a:endParaRPr lang="en-US"/>
           </a:p>
@@ -1606,7 +1606,7 @@
           <a:p>
             <a:fld id="{F26F8DF3-DDE4-4A22-B8E4-10B2EE9930CA}" type="datetimeFigureOut">
               <a:rPr lang="en-US" smtClean="0"/>
-              <a:t>7/3/2020</a:t>
+              <a:t>7/9/2020</a:t>
             </a:fld>
             <a:endParaRPr lang="en-US"/>
           </a:p>
@@ -1724,7 +1724,7 @@
           <a:p>
             <a:fld id="{F26F8DF3-DDE4-4A22-B8E4-10B2EE9930CA}" type="datetimeFigureOut">
               <a:rPr lang="en-US" smtClean="0"/>
-              <a:t>7/3/2020</a:t>
+              <a:t>7/9/2020</a:t>
             </a:fld>
             <a:endParaRPr lang="en-US"/>
           </a:p>
@@ -1819,7 +1819,7 @@
           <a:p>
             <a:fld id="{F26F8DF3-DDE4-4A22-B8E4-10B2EE9930CA}" type="datetimeFigureOut">
               <a:rPr lang="en-US" smtClean="0"/>
-              <a:t>7/3/2020</a:t>
+              <a:t>7/9/2020</a:t>
             </a:fld>
             <a:endParaRPr lang="en-US"/>
           </a:p>
@@ -2096,7 +2096,7 @@
           <a:p>
             <a:fld id="{F26F8DF3-DDE4-4A22-B8E4-10B2EE9930CA}" type="datetimeFigureOut">
               <a:rPr lang="en-US" smtClean="0"/>
-              <a:t>7/3/2020</a:t>
+              <a:t>7/9/2020</a:t>
             </a:fld>
             <a:endParaRPr lang="en-US"/>
           </a:p>
@@ -2353,7 +2353,7 @@
           <a:p>
             <a:fld id="{F26F8DF3-DDE4-4A22-B8E4-10B2EE9930CA}" type="datetimeFigureOut">
               <a:rPr lang="en-US" smtClean="0"/>
-              <a:t>7/3/2020</a:t>
+              <a:t>7/9/2020</a:t>
             </a:fld>
             <a:endParaRPr lang="en-US"/>
           </a:p>
@@ -2567,7 +2567,7 @@
             <a:fld id="{F26F8DF3-DDE4-4A22-B8E4-10B2EE9930CA}" type="datetimeFigureOut">
               <a:rPr lang="en-US" smtClean="0"/>
               <a:pPr/>
-              <a:t>7/3/2020</a:t>
+              <a:t>7/9/2020</a:t>
             </a:fld>
             <a:endParaRPr lang="en-US"/>
           </a:p>
@@ -2975,834 +2975,13 @@
       </p:grpSpPr>
       <p:grpSp>
         <p:nvGrpSpPr>
-          <p:cNvPr id="31" name="Group 30"/>
-          <p:cNvGrpSpPr/>
-          <p:nvPr/>
-        </p:nvGrpSpPr>
-        <p:grpSpPr>
-          <a:xfrm>
-            <a:off x="479278" y="563446"/>
-            <a:ext cx="1940400" cy="1412676"/>
-            <a:chOff x="149629" y="4322619"/>
-            <a:chExt cx="1940400" cy="1412676"/>
-          </a:xfrm>
-        </p:grpSpPr>
-        <p:sp>
-          <p:nvSpPr>
-            <p:cNvPr id="4" name="Rectangle 3"/>
-            <p:cNvSpPr/>
-            <p:nvPr/>
-          </p:nvSpPr>
-          <p:spPr>
-            <a:xfrm>
-              <a:off x="149629" y="4322619"/>
-              <a:ext cx="1940400" cy="288000"/>
-            </a:xfrm>
-            <a:prstGeom prst="rect">
-              <a:avLst/>
-            </a:prstGeom>
-            <a:ln w="12700">
-              <a:solidFill>
-                <a:schemeClr val="bg1"/>
-              </a:solidFill>
-            </a:ln>
-          </p:spPr>
-          <p:style>
-            <a:lnRef idx="2">
-              <a:schemeClr val="accent1">
-                <a:shade val="50000"/>
-              </a:schemeClr>
-            </a:lnRef>
-            <a:fillRef idx="1">
-              <a:schemeClr val="accent1"/>
-            </a:fillRef>
-            <a:effectRef idx="0">
-              <a:schemeClr val="accent1"/>
-            </a:effectRef>
-            <a:fontRef idx="minor">
-              <a:schemeClr val="lt1"/>
-            </a:fontRef>
-          </p:style>
-          <p:txBody>
-            <a:bodyPr rot="0" spcFirstLastPara="0" vertOverflow="overflow" horzOverflow="overflow" vert="horz" wrap="square" lIns="0" tIns="0" rIns="0" bIns="0" numCol="1" spcCol="0" rtlCol="0" fromWordArt="0" anchor="ctr" anchorCtr="0" forceAA="0" compatLnSpc="1">
-              <a:prstTxWarp prst="textNoShape">
-                <a:avLst/>
-              </a:prstTxWarp>
-              <a:noAutofit/>
-            </a:bodyPr>
-            <a:lstStyle/>
-            <a:p>
-              <a:pPr algn="ctr"/>
-              <a:r>
-                <a:rPr lang="en-US" sz="1400" b="1" dirty="0" err="1">
-                  <a:latin typeface="Helvetica" panose="020B0604020202020204" pitchFamily="34" charset="0"/>
-                  <a:cs typeface="Helvetica" panose="020B0604020202020204" pitchFamily="34" charset="0"/>
-                </a:rPr>
-                <a:t>shp_mgmt</a:t>
-              </a:r>
-              <a:endParaRPr lang="en-US" sz="1400" b="1" dirty="0">
-                <a:latin typeface="Helvetica" panose="020B0604020202020204" pitchFamily="34" charset="0"/>
-                <a:cs typeface="Helvetica" panose="020B0604020202020204" pitchFamily="34" charset="0"/>
-              </a:endParaRPr>
-            </a:p>
-          </p:txBody>
-        </p:sp>
-        <p:sp>
-          <p:nvSpPr>
-            <p:cNvPr id="8" name="Rectangle 3"/>
-            <p:cNvSpPr>
-              <a:spLocks noChangeArrowheads="1"/>
-            </p:cNvSpPr>
-            <p:nvPr/>
-          </p:nvSpPr>
-          <p:spPr bwMode="auto">
-            <a:xfrm>
-              <a:off x="149629" y="5458095"/>
-              <a:ext cx="1940400" cy="277200"/>
-            </a:xfrm>
-            <a:prstGeom prst="rect">
-              <a:avLst/>
-            </a:prstGeom>
-            <a:solidFill>
-              <a:schemeClr val="bg2">
-                <a:lumMod val="50000"/>
-              </a:schemeClr>
-            </a:solidFill>
-            <a:ln w="12700">
-              <a:solidFill>
-                <a:schemeClr val="bg1"/>
-              </a:solidFill>
-            </a:ln>
-            <a:effectLst/>
-          </p:spPr>
-          <p:txBody>
-            <a:bodyPr vert="horz" wrap="square" lIns="91440" tIns="45720" rIns="91440" bIns="45720" numCol="1" anchor="ctr" anchorCtr="0" compatLnSpc="1">
-              <a:prstTxWarp prst="textNoShape">
-                <a:avLst/>
-              </a:prstTxWarp>
-              <a:spAutoFit/>
-            </a:bodyPr>
-            <a:lstStyle/>
-            <a:p>
-              <a:pPr algn="ctr" defTabSz="914400" eaLnBrk="0" fontAlgn="base" hangingPunct="0">
-                <a:spcBef>
-                  <a:spcPct val="0"/>
-                </a:spcBef>
-                <a:spcAft>
-                  <a:spcPct val="0"/>
-                </a:spcAft>
-              </a:pPr>
-              <a:r>
-                <a:rPr lang="en-US" altLang="en-US" sz="1200" dirty="0" err="1">
-                  <a:solidFill>
-                    <a:srgbClr val="FFC66D"/>
-                  </a:solidFill>
-                  <a:latin typeface="Consolas" panose="020B0609020204030204" pitchFamily="49" charset="0"/>
-                </a:rPr>
-                <a:t>get_geom_description</a:t>
-              </a:r>
-              <a:endParaRPr lang="en-US" altLang="en-US" sz="1200" dirty="0">
-                <a:latin typeface="Arial" panose="020B0604020202020204" pitchFamily="34" charset="0"/>
-              </a:endParaRPr>
-            </a:p>
-          </p:txBody>
-        </p:sp>
-        <p:sp>
-          <p:nvSpPr>
-            <p:cNvPr id="10" name="Rectangle 4"/>
-            <p:cNvSpPr>
-              <a:spLocks noChangeArrowheads="1"/>
-            </p:cNvSpPr>
-            <p:nvPr/>
-          </p:nvSpPr>
-          <p:spPr bwMode="auto">
-            <a:xfrm>
-              <a:off x="149629" y="4610619"/>
-              <a:ext cx="1940400" cy="277200"/>
-            </a:xfrm>
-            <a:prstGeom prst="rect">
-              <a:avLst/>
-            </a:prstGeom>
-            <a:solidFill>
-              <a:schemeClr val="bg2">
-                <a:lumMod val="50000"/>
-              </a:schemeClr>
-            </a:solidFill>
-            <a:ln w="12700">
-              <a:solidFill>
-                <a:schemeClr val="bg1"/>
-              </a:solidFill>
-            </a:ln>
-            <a:effectLst/>
-          </p:spPr>
-          <p:txBody>
-            <a:bodyPr vert="horz" wrap="square" lIns="91440" tIns="45720" rIns="91440" bIns="45720" numCol="1" anchor="ctr" anchorCtr="0" compatLnSpc="1">
-              <a:prstTxWarp prst="textNoShape">
-                <a:avLst/>
-              </a:prstTxWarp>
-              <a:spAutoFit/>
-            </a:bodyPr>
-            <a:lstStyle/>
-            <a:p>
-              <a:pPr algn="ctr" defTabSz="914400" eaLnBrk="0" fontAlgn="base" hangingPunct="0">
-                <a:spcBef>
-                  <a:spcPct val="0"/>
-                </a:spcBef>
-                <a:spcAft>
-                  <a:spcPct val="0"/>
-                </a:spcAft>
-              </a:pPr>
-              <a:r>
-                <a:rPr lang="en-US" altLang="en-US" sz="1200">
-                  <a:solidFill>
-                    <a:srgbClr val="FFC66D"/>
-                  </a:solidFill>
-                  <a:latin typeface="Consolas" panose="020B0609020204030204" pitchFamily="49" charset="0"/>
-                </a:rPr>
-                <a:t>create_shp</a:t>
-              </a:r>
-              <a:endParaRPr lang="en-US" altLang="en-US" sz="1200">
-                <a:latin typeface="Arial" panose="020B0604020202020204" pitchFamily="34" charset="0"/>
-              </a:endParaRPr>
-            </a:p>
-          </p:txBody>
-        </p:sp>
-        <p:sp>
-          <p:nvSpPr>
-            <p:cNvPr id="11" name="Rectangle 5"/>
-            <p:cNvSpPr>
-              <a:spLocks noChangeArrowheads="1"/>
-            </p:cNvSpPr>
-            <p:nvPr/>
-          </p:nvSpPr>
-          <p:spPr bwMode="auto">
-            <a:xfrm>
-              <a:off x="149629" y="4895757"/>
-              <a:ext cx="1940400" cy="277200"/>
-            </a:xfrm>
-            <a:prstGeom prst="rect">
-              <a:avLst/>
-            </a:prstGeom>
-            <a:solidFill>
-              <a:schemeClr val="bg2">
-                <a:lumMod val="50000"/>
-              </a:schemeClr>
-            </a:solidFill>
-            <a:ln w="12700">
-              <a:solidFill>
-                <a:schemeClr val="bg1"/>
-              </a:solidFill>
-            </a:ln>
-            <a:effectLst/>
-          </p:spPr>
-          <p:txBody>
-            <a:bodyPr vert="horz" wrap="square" lIns="91440" tIns="45720" rIns="91440" bIns="45720" numCol="1" anchor="ctr" anchorCtr="0" compatLnSpc="1">
-              <a:prstTxWarp prst="textNoShape">
-                <a:avLst/>
-              </a:prstTxWarp>
-              <a:spAutoFit/>
-            </a:bodyPr>
-            <a:lstStyle/>
-            <a:p>
-              <a:pPr algn="ctr" defTabSz="914400" eaLnBrk="0" fontAlgn="base" hangingPunct="0">
-                <a:spcBef>
-                  <a:spcPct val="0"/>
-                </a:spcBef>
-                <a:spcAft>
-                  <a:spcPct val="0"/>
-                </a:spcAft>
-              </a:pPr>
-              <a:r>
-                <a:rPr lang="en-US" altLang="en-US" sz="1200">
-                  <a:solidFill>
-                    <a:srgbClr val="FFC66D"/>
-                  </a:solidFill>
-                  <a:latin typeface="Consolas" panose="020B0609020204030204" pitchFamily="49" charset="0"/>
-                </a:rPr>
-                <a:t>get_geom_simplified</a:t>
-              </a:r>
-              <a:endParaRPr lang="en-US" altLang="en-US" sz="1200">
-                <a:latin typeface="Arial" panose="020B0604020202020204" pitchFamily="34" charset="0"/>
-              </a:endParaRPr>
-            </a:p>
-          </p:txBody>
-        </p:sp>
-        <p:sp>
-          <p:nvSpPr>
-            <p:cNvPr id="12" name="Rectangle 6"/>
-            <p:cNvSpPr>
-              <a:spLocks noChangeArrowheads="1"/>
-            </p:cNvSpPr>
-            <p:nvPr/>
-          </p:nvSpPr>
-          <p:spPr bwMode="auto">
-            <a:xfrm>
-              <a:off x="149629" y="5180895"/>
-              <a:ext cx="1940400" cy="277200"/>
-            </a:xfrm>
-            <a:prstGeom prst="rect">
-              <a:avLst/>
-            </a:prstGeom>
-            <a:solidFill>
-              <a:schemeClr val="bg2">
-                <a:lumMod val="50000"/>
-              </a:schemeClr>
-            </a:solidFill>
-            <a:ln w="12700">
-              <a:solidFill>
-                <a:schemeClr val="bg1"/>
-              </a:solidFill>
-            </a:ln>
-            <a:effectLst/>
-          </p:spPr>
-          <p:txBody>
-            <a:bodyPr vert="horz" wrap="square" lIns="91440" tIns="45720" rIns="91440" bIns="45720" numCol="1" anchor="ctr" anchorCtr="0" compatLnSpc="1">
-              <a:prstTxWarp prst="textNoShape">
-                <a:avLst/>
-              </a:prstTxWarp>
-              <a:spAutoFit/>
-            </a:bodyPr>
-            <a:lstStyle/>
-            <a:p>
-              <a:pPr algn="ctr" defTabSz="914400" eaLnBrk="0" fontAlgn="base" hangingPunct="0">
-                <a:spcBef>
-                  <a:spcPct val="0"/>
-                </a:spcBef>
-                <a:spcAft>
-                  <a:spcPct val="0"/>
-                </a:spcAft>
-              </a:pPr>
-              <a:r>
-                <a:rPr lang="en-US" altLang="en-US" sz="1200">
-                  <a:solidFill>
-                    <a:srgbClr val="FFC66D"/>
-                  </a:solidFill>
-                  <a:latin typeface="Consolas" panose="020B0609020204030204" pitchFamily="49" charset="0"/>
-                </a:rPr>
-                <a:t>verify_shp_name</a:t>
-              </a:r>
-              <a:endParaRPr lang="en-US" altLang="en-US" sz="1200">
-                <a:latin typeface="Arial" panose="020B0604020202020204" pitchFamily="34" charset="0"/>
-              </a:endParaRPr>
-            </a:p>
-          </p:txBody>
-        </p:sp>
-      </p:grpSp>
-      <p:grpSp>
-        <p:nvGrpSpPr>
-          <p:cNvPr id="30" name="Group 29"/>
-          <p:cNvGrpSpPr/>
-          <p:nvPr/>
-        </p:nvGrpSpPr>
-        <p:grpSpPr>
-          <a:xfrm>
-            <a:off x="5283025" y="563446"/>
-            <a:ext cx="1940400" cy="1111656"/>
-            <a:chOff x="2557270" y="4294564"/>
-            <a:chExt cx="1940400" cy="1111656"/>
-          </a:xfrm>
-        </p:grpSpPr>
-        <p:sp>
-          <p:nvSpPr>
-            <p:cNvPr id="9" name="Rectangle 8"/>
-            <p:cNvSpPr/>
-            <p:nvPr/>
-          </p:nvSpPr>
-          <p:spPr>
-            <a:xfrm>
-              <a:off x="2557270" y="4294564"/>
-              <a:ext cx="1940400" cy="288000"/>
-            </a:xfrm>
-            <a:prstGeom prst="rect">
-              <a:avLst/>
-            </a:prstGeom>
-            <a:ln w="12700">
-              <a:solidFill>
-                <a:schemeClr val="bg1"/>
-              </a:solidFill>
-            </a:ln>
-          </p:spPr>
-          <p:style>
-            <a:lnRef idx="2">
-              <a:schemeClr val="accent1">
-                <a:shade val="50000"/>
-              </a:schemeClr>
-            </a:lnRef>
-            <a:fillRef idx="1">
-              <a:schemeClr val="accent1"/>
-            </a:fillRef>
-            <a:effectRef idx="0">
-              <a:schemeClr val="accent1"/>
-            </a:effectRef>
-            <a:fontRef idx="minor">
-              <a:schemeClr val="lt1"/>
-            </a:fontRef>
-          </p:style>
-          <p:txBody>
-            <a:bodyPr rot="0" spcFirstLastPara="0" vertOverflow="overflow" horzOverflow="overflow" vert="horz" wrap="square" lIns="0" tIns="0" rIns="0" bIns="0" numCol="1" spcCol="0" rtlCol="0" fromWordArt="0" anchor="ctr" anchorCtr="0" forceAA="0" compatLnSpc="1">
-              <a:prstTxWarp prst="textNoShape">
-                <a:avLst/>
-              </a:prstTxWarp>
-              <a:noAutofit/>
-            </a:bodyPr>
-            <a:lstStyle/>
-            <a:p>
-              <a:pPr algn="ctr"/>
-              <a:r>
-                <a:rPr lang="en-US" sz="1400" b="1" dirty="0" err="1">
-                  <a:latin typeface="Helvetica" panose="020B0604020202020204" pitchFamily="34" charset="0"/>
-                  <a:cs typeface="Helvetica" panose="020B0604020202020204" pitchFamily="34" charset="0"/>
-                </a:rPr>
-                <a:t>raster_mgmt</a:t>
-              </a:r>
-              <a:endParaRPr lang="en-US" sz="1400" b="1" dirty="0">
-                <a:latin typeface="Helvetica" panose="020B0604020202020204" pitchFamily="34" charset="0"/>
-                <a:cs typeface="Helvetica" panose="020B0604020202020204" pitchFamily="34" charset="0"/>
-              </a:endParaRPr>
-            </a:p>
-          </p:txBody>
-        </p:sp>
-        <p:sp>
-          <p:nvSpPr>
-            <p:cNvPr id="13" name="Rectangle 7"/>
-            <p:cNvSpPr>
-              <a:spLocks noChangeArrowheads="1"/>
-            </p:cNvSpPr>
-            <p:nvPr/>
-          </p:nvSpPr>
-          <p:spPr bwMode="auto">
-            <a:xfrm>
-              <a:off x="2557270" y="4584129"/>
-              <a:ext cx="1940400" cy="277200"/>
-            </a:xfrm>
-            <a:prstGeom prst="rect">
-              <a:avLst/>
-            </a:prstGeom>
-            <a:solidFill>
-              <a:schemeClr val="bg2">
-                <a:lumMod val="50000"/>
-              </a:schemeClr>
-            </a:solidFill>
-            <a:ln w="12700">
-              <a:solidFill>
-                <a:schemeClr val="bg1"/>
-              </a:solidFill>
-            </a:ln>
-            <a:effectLst/>
-          </p:spPr>
-          <p:txBody>
-            <a:bodyPr vert="horz" wrap="square" lIns="91440" tIns="45720" rIns="91440" bIns="45720" numCol="1" anchor="ctr" anchorCtr="0" compatLnSpc="1">
-              <a:prstTxWarp prst="textNoShape">
-                <a:avLst/>
-              </a:prstTxWarp>
-              <a:spAutoFit/>
-            </a:bodyPr>
-            <a:lstStyle/>
-            <a:p>
-              <a:pPr algn="ctr" defTabSz="914400" eaLnBrk="0" fontAlgn="base" hangingPunct="0">
-                <a:spcBef>
-                  <a:spcPct val="0"/>
-                </a:spcBef>
-                <a:spcAft>
-                  <a:spcPct val="0"/>
-                </a:spcAft>
-              </a:pPr>
-              <a:r>
-                <a:rPr lang="en-US" altLang="en-US" sz="1200">
-                  <a:solidFill>
-                    <a:srgbClr val="FFC66D"/>
-                  </a:solidFill>
-                  <a:latin typeface="Consolas" panose="020B0609020204030204" pitchFamily="49" charset="0"/>
-                </a:rPr>
-                <a:t>open_raster</a:t>
-              </a:r>
-              <a:endParaRPr lang="en-US" altLang="en-US" sz="1200">
-                <a:latin typeface="Arial" panose="020B0604020202020204" pitchFamily="34" charset="0"/>
-              </a:endParaRPr>
-            </a:p>
-          </p:txBody>
-        </p:sp>
-        <p:sp>
-          <p:nvSpPr>
-            <p:cNvPr id="14" name="Rectangle 8"/>
-            <p:cNvSpPr>
-              <a:spLocks noChangeArrowheads="1"/>
-            </p:cNvSpPr>
-            <p:nvPr/>
-          </p:nvSpPr>
-          <p:spPr bwMode="auto">
-            <a:xfrm>
-              <a:off x="2557270" y="4861329"/>
-              <a:ext cx="1940400" cy="277200"/>
-            </a:xfrm>
-            <a:prstGeom prst="rect">
-              <a:avLst/>
-            </a:prstGeom>
-            <a:solidFill>
-              <a:schemeClr val="bg2">
-                <a:lumMod val="50000"/>
-              </a:schemeClr>
-            </a:solidFill>
-            <a:ln w="12700">
-              <a:solidFill>
-                <a:schemeClr val="bg1"/>
-              </a:solidFill>
-            </a:ln>
-            <a:effectLst/>
-          </p:spPr>
-          <p:txBody>
-            <a:bodyPr vert="horz" wrap="square" lIns="91440" tIns="45720" rIns="91440" bIns="45720" numCol="1" anchor="ctr" anchorCtr="0" compatLnSpc="1">
-              <a:prstTxWarp prst="textNoShape">
-                <a:avLst/>
-              </a:prstTxWarp>
-              <a:spAutoFit/>
-            </a:bodyPr>
-            <a:lstStyle/>
-            <a:p>
-              <a:pPr algn="ctr" defTabSz="914400" eaLnBrk="0" fontAlgn="base" hangingPunct="0">
-                <a:spcBef>
-                  <a:spcPct val="0"/>
-                </a:spcBef>
-                <a:spcAft>
-                  <a:spcPct val="0"/>
-                </a:spcAft>
-              </a:pPr>
-              <a:r>
-                <a:rPr lang="en-US" altLang="en-US" sz="1200">
-                  <a:solidFill>
-                    <a:srgbClr val="FFC66D"/>
-                  </a:solidFill>
-                  <a:latin typeface="Consolas" panose="020B0609020204030204" pitchFamily="49" charset="0"/>
-                </a:rPr>
-                <a:t>create_raster</a:t>
-              </a:r>
-              <a:endParaRPr lang="en-US" altLang="en-US" sz="1200">
-                <a:latin typeface="Arial" panose="020B0604020202020204" pitchFamily="34" charset="0"/>
-              </a:endParaRPr>
-            </a:p>
-          </p:txBody>
-        </p:sp>
-        <p:sp>
-          <p:nvSpPr>
-            <p:cNvPr id="15" name="Rectangle 9"/>
-            <p:cNvSpPr>
-              <a:spLocks noChangeArrowheads="1"/>
-            </p:cNvSpPr>
-            <p:nvPr/>
-          </p:nvSpPr>
-          <p:spPr bwMode="auto">
-            <a:xfrm>
-              <a:off x="2557270" y="5129020"/>
-              <a:ext cx="1940400" cy="277200"/>
-            </a:xfrm>
-            <a:prstGeom prst="rect">
-              <a:avLst/>
-            </a:prstGeom>
-            <a:solidFill>
-              <a:schemeClr val="bg2">
-                <a:lumMod val="50000"/>
-              </a:schemeClr>
-            </a:solidFill>
-            <a:ln w="12700">
-              <a:solidFill>
-                <a:schemeClr val="bg1"/>
-              </a:solidFill>
-            </a:ln>
-            <a:effectLst/>
-          </p:spPr>
-          <p:txBody>
-            <a:bodyPr vert="horz" wrap="square" lIns="91440" tIns="45720" rIns="91440" bIns="45720" numCol="1" anchor="ctr" anchorCtr="0" compatLnSpc="1">
-              <a:prstTxWarp prst="textNoShape">
-                <a:avLst/>
-              </a:prstTxWarp>
-              <a:spAutoFit/>
-            </a:bodyPr>
-            <a:lstStyle/>
-            <a:p>
-              <a:pPr algn="ctr" defTabSz="914400" eaLnBrk="0" fontAlgn="base" hangingPunct="0">
-                <a:spcBef>
-                  <a:spcPct val="0"/>
-                </a:spcBef>
-                <a:spcAft>
-                  <a:spcPct val="0"/>
-                </a:spcAft>
-              </a:pPr>
-              <a:r>
-                <a:rPr lang="en-US" altLang="en-US" sz="1200">
-                  <a:solidFill>
-                    <a:srgbClr val="FFC66D"/>
-                  </a:solidFill>
-                  <a:latin typeface="Consolas" panose="020B0609020204030204" pitchFamily="49" charset="0"/>
-                </a:rPr>
-                <a:t>raster2array</a:t>
-              </a:r>
-              <a:endParaRPr lang="en-US" altLang="en-US" sz="1200">
-                <a:latin typeface="Arial" panose="020B0604020202020204" pitchFamily="34" charset="0"/>
-              </a:endParaRPr>
-            </a:p>
-          </p:txBody>
-        </p:sp>
-      </p:grpSp>
-      <p:grpSp>
-        <p:nvGrpSpPr>
-          <p:cNvPr id="29" name="Group 28"/>
-          <p:cNvGrpSpPr/>
-          <p:nvPr/>
-        </p:nvGrpSpPr>
-        <p:grpSpPr>
-          <a:xfrm>
-            <a:off x="2723015" y="2750492"/>
-            <a:ext cx="1940400" cy="1103972"/>
-            <a:chOff x="5058588" y="4333183"/>
-            <a:chExt cx="1940400" cy="1103972"/>
-          </a:xfrm>
-        </p:grpSpPr>
-        <p:sp>
-          <p:nvSpPr>
-            <p:cNvPr id="16" name="Rectangle 15"/>
-            <p:cNvSpPr/>
-            <p:nvPr/>
-          </p:nvSpPr>
-          <p:spPr>
-            <a:xfrm>
-              <a:off x="5058588" y="4333183"/>
-              <a:ext cx="1940400" cy="288000"/>
-            </a:xfrm>
-            <a:prstGeom prst="rect">
-              <a:avLst/>
-            </a:prstGeom>
-            <a:ln w="12700">
-              <a:solidFill>
-                <a:schemeClr val="bg1"/>
-              </a:solidFill>
-            </a:ln>
-          </p:spPr>
-          <p:style>
-            <a:lnRef idx="2">
-              <a:schemeClr val="accent1">
-                <a:shade val="50000"/>
-              </a:schemeClr>
-            </a:lnRef>
-            <a:fillRef idx="1">
-              <a:schemeClr val="accent1"/>
-            </a:fillRef>
-            <a:effectRef idx="0">
-              <a:schemeClr val="accent1"/>
-            </a:effectRef>
-            <a:fontRef idx="minor">
-              <a:schemeClr val="lt1"/>
-            </a:fontRef>
-          </p:style>
-          <p:txBody>
-            <a:bodyPr rot="0" spcFirstLastPara="0" vertOverflow="overflow" horzOverflow="overflow" vert="horz" wrap="square" lIns="0" tIns="0" rIns="0" bIns="0" numCol="1" spcCol="0" rtlCol="0" fromWordArt="0" anchor="ctr" anchorCtr="0" forceAA="0" compatLnSpc="1">
-              <a:prstTxWarp prst="textNoShape">
-                <a:avLst/>
-              </a:prstTxWarp>
-              <a:noAutofit/>
-            </a:bodyPr>
-            <a:lstStyle/>
-            <a:p>
-              <a:pPr algn="ctr"/>
-              <a:r>
-                <a:rPr lang="en-US" sz="1400" b="1" dirty="0">
-                  <a:latin typeface="Helvetica" panose="020B0604020202020204" pitchFamily="34" charset="0"/>
-                  <a:cs typeface="Helvetica" panose="020B0604020202020204" pitchFamily="34" charset="0"/>
-                </a:rPr>
-                <a:t>converter</a:t>
-              </a:r>
-            </a:p>
-          </p:txBody>
-        </p:sp>
-        <p:sp>
-          <p:nvSpPr>
-            <p:cNvPr id="17" name="Rectangle 10"/>
-            <p:cNvSpPr>
-              <a:spLocks noChangeArrowheads="1"/>
-            </p:cNvSpPr>
-            <p:nvPr/>
-          </p:nvSpPr>
-          <p:spPr bwMode="auto">
-            <a:xfrm>
-              <a:off x="5058588" y="4621183"/>
-              <a:ext cx="1940400" cy="277200"/>
-            </a:xfrm>
-            <a:prstGeom prst="rect">
-              <a:avLst/>
-            </a:prstGeom>
-            <a:solidFill>
-              <a:schemeClr val="bg2">
-                <a:lumMod val="50000"/>
-              </a:schemeClr>
-            </a:solidFill>
-            <a:ln w="12700">
-              <a:solidFill>
-                <a:schemeClr val="bg1"/>
-              </a:solidFill>
-            </a:ln>
-            <a:effectLst/>
-          </p:spPr>
-          <p:txBody>
-            <a:bodyPr vert="horz" wrap="square" lIns="91440" tIns="45720" rIns="91440" bIns="45720" numCol="1" anchor="ctr" anchorCtr="0" compatLnSpc="1">
-              <a:prstTxWarp prst="textNoShape">
-                <a:avLst/>
-              </a:prstTxWarp>
-              <a:spAutoFit/>
-            </a:bodyPr>
-            <a:lstStyle/>
-            <a:p>
-              <a:pPr algn="ctr" defTabSz="914400" eaLnBrk="0" fontAlgn="base" hangingPunct="0">
-                <a:spcBef>
-                  <a:spcPct val="0"/>
-                </a:spcBef>
-                <a:spcAft>
-                  <a:spcPct val="0"/>
-                </a:spcAft>
-              </a:pPr>
-              <a:r>
-                <a:rPr lang="en-US" altLang="en-US" sz="1200">
-                  <a:solidFill>
-                    <a:srgbClr val="FFC66D"/>
-                  </a:solidFill>
-                  <a:latin typeface="Consolas" panose="020B0609020204030204" pitchFamily="49" charset="0"/>
-                </a:rPr>
-                <a:t>get_layer</a:t>
-              </a:r>
-              <a:endParaRPr lang="en-US" altLang="en-US" sz="1200">
-                <a:latin typeface="Arial" panose="020B0604020202020204" pitchFamily="34" charset="0"/>
-              </a:endParaRPr>
-            </a:p>
-          </p:txBody>
-        </p:sp>
-        <p:sp>
-          <p:nvSpPr>
-            <p:cNvPr id="18" name="Rectangle 11"/>
-            <p:cNvSpPr>
-              <a:spLocks noChangeArrowheads="1"/>
-            </p:cNvSpPr>
-            <p:nvPr/>
-          </p:nvSpPr>
-          <p:spPr bwMode="auto">
-            <a:xfrm>
-              <a:off x="5058588" y="4887819"/>
-              <a:ext cx="1940400" cy="277200"/>
-            </a:xfrm>
-            <a:prstGeom prst="rect">
-              <a:avLst/>
-            </a:prstGeom>
-            <a:solidFill>
-              <a:schemeClr val="bg2">
-                <a:lumMod val="50000"/>
-              </a:schemeClr>
-            </a:solidFill>
-            <a:ln w="12700">
-              <a:solidFill>
-                <a:schemeClr val="bg1"/>
-              </a:solidFill>
-            </a:ln>
-            <a:effectLst/>
-          </p:spPr>
-          <p:txBody>
-            <a:bodyPr vert="horz" wrap="square" lIns="91440" tIns="45720" rIns="91440" bIns="45720" numCol="1" anchor="ctr" anchorCtr="0" compatLnSpc="1">
-              <a:prstTxWarp prst="textNoShape">
-                <a:avLst/>
-              </a:prstTxWarp>
-              <a:spAutoFit/>
-            </a:bodyPr>
-            <a:lstStyle/>
-            <a:p>
-              <a:pPr algn="ctr" defTabSz="914400" eaLnBrk="0" fontAlgn="base" hangingPunct="0">
-                <a:spcBef>
-                  <a:spcPct val="0"/>
-                </a:spcBef>
-                <a:spcAft>
-                  <a:spcPct val="0"/>
-                </a:spcAft>
-              </a:pPr>
-              <a:r>
-                <a:rPr lang="en-US" altLang="en-US" sz="1200">
-                  <a:solidFill>
-                    <a:srgbClr val="FFC66D"/>
-                  </a:solidFill>
-                  <a:latin typeface="Consolas" panose="020B0609020204030204" pitchFamily="49" charset="0"/>
-                </a:rPr>
-                <a:t>verify_dataset</a:t>
-              </a:r>
-              <a:endParaRPr lang="en-US" altLang="en-US" sz="1200">
-                <a:latin typeface="Arial" panose="020B0604020202020204" pitchFamily="34" charset="0"/>
-              </a:endParaRPr>
-            </a:p>
-          </p:txBody>
-        </p:sp>
-        <p:sp>
-          <p:nvSpPr>
-            <p:cNvPr id="19" name="Rectangle 12"/>
-            <p:cNvSpPr>
-              <a:spLocks noChangeArrowheads="1"/>
-            </p:cNvSpPr>
-            <p:nvPr/>
-          </p:nvSpPr>
-          <p:spPr bwMode="auto">
-            <a:xfrm>
-              <a:off x="5058588" y="5159955"/>
-              <a:ext cx="1940400" cy="277200"/>
-            </a:xfrm>
-            <a:prstGeom prst="rect">
-              <a:avLst/>
-            </a:prstGeom>
-            <a:solidFill>
-              <a:schemeClr val="bg2">
-                <a:lumMod val="50000"/>
-              </a:schemeClr>
-            </a:solidFill>
-            <a:ln w="12700">
-              <a:solidFill>
-                <a:schemeClr val="bg1"/>
-              </a:solidFill>
-            </a:ln>
-            <a:effectLst/>
-          </p:spPr>
-          <p:txBody>
-            <a:bodyPr vert="horz" wrap="square" lIns="91440" tIns="45720" rIns="91440" bIns="45720" numCol="1" anchor="ctr" anchorCtr="0" compatLnSpc="1">
-              <a:prstTxWarp prst="textNoShape">
-                <a:avLst/>
-              </a:prstTxWarp>
-              <a:spAutoFit/>
-            </a:bodyPr>
-            <a:lstStyle/>
-            <a:p>
-              <a:pPr algn="ctr" defTabSz="914400" eaLnBrk="0" fontAlgn="base" hangingPunct="0">
-                <a:spcBef>
-                  <a:spcPct val="0"/>
-                </a:spcBef>
-                <a:spcAft>
-                  <a:spcPct val="0"/>
-                </a:spcAft>
-              </a:pPr>
-              <a:r>
-                <a:rPr lang="en-US" altLang="en-US" sz="1200" dirty="0" smtClean="0">
-                  <a:solidFill>
-                    <a:srgbClr val="FFC66D"/>
-                  </a:solidFill>
-                  <a:latin typeface="Consolas" panose="020B0609020204030204" pitchFamily="49" charset="0"/>
-                </a:rPr>
-                <a:t>raster2line</a:t>
-              </a:r>
-              <a:endParaRPr lang="en-US" altLang="en-US" sz="1200" dirty="0">
-                <a:latin typeface="Arial" panose="020B0604020202020204" pitchFamily="34" charset="0"/>
-              </a:endParaRPr>
-            </a:p>
-          </p:txBody>
-        </p:sp>
-      </p:grpSp>
-      <p:grpSp>
-        <p:nvGrpSpPr>
           <p:cNvPr id="28" name="Group 27"/>
           <p:cNvGrpSpPr/>
           <p:nvPr/>
         </p:nvGrpSpPr>
         <p:grpSpPr>
           <a:xfrm>
-            <a:off x="5283025" y="3353836"/>
+            <a:off x="4852594" y="1557784"/>
             <a:ext cx="1940400" cy="2222016"/>
             <a:chOff x="7675953" y="4285024"/>
             <a:chExt cx="1940400" cy="2222016"/>
@@ -4293,20 +3472,18 @@
         <p:nvCxnSpPr>
           <p:cNvPr id="33" name="Elbow Connector 32"/>
           <p:cNvCxnSpPr>
-            <a:stCxn id="16" idx="3"/>
-            <a:endCxn id="20" idx="1"/>
+            <a:stCxn id="20" idx="3"/>
+            <a:endCxn id="45" idx="0"/>
           </p:cNvCxnSpPr>
           <p:nvPr/>
         </p:nvCxnSpPr>
         <p:spPr>
           <a:xfrm>
-            <a:off x="4663415" y="2894492"/>
-            <a:ext cx="619610" cy="603344"/>
+            <a:off x="6792994" y="1701784"/>
+            <a:ext cx="403638" cy="2350428"/>
           </a:xfrm>
-          <a:prstGeom prst="bentConnector3">
-            <a:avLst>
-              <a:gd name="adj1" fmla="val 29691"/>
-            </a:avLst>
+          <a:prstGeom prst="bentConnector2">
+            <a:avLst/>
           </a:prstGeom>
           <a:ln w="12700">
             <a:tailEnd type="triangle" w="lg" len="lg"/>
@@ -4338,8 +3515,8 @@
         </p:nvCxnSpPr>
         <p:spPr>
           <a:xfrm rot="10800000" flipV="1">
-            <a:off x="3693215" y="707446"/>
-            <a:ext cx="1589810" cy="2043046"/>
+            <a:off x="3544272" y="289108"/>
+            <a:ext cx="1308322" cy="1268676"/>
           </a:xfrm>
           <a:prstGeom prst="bentConnector2">
             <a:avLst/>
@@ -4374,12 +3551,12 @@
         </p:nvCxnSpPr>
         <p:spPr>
           <a:xfrm>
-            <a:off x="2419679" y="707446"/>
-            <a:ext cx="303337" cy="2187046"/>
+            <a:off x="2209794" y="289108"/>
+            <a:ext cx="364278" cy="1412676"/>
           </a:xfrm>
           <a:prstGeom prst="bentConnector3">
             <a:avLst>
-              <a:gd name="adj1" fmla="val 38938"/>
+              <a:gd name="adj1" fmla="val 50000"/>
             </a:avLst>
           </a:prstGeom>
           <a:ln w="12700">
@@ -4412,12 +3589,12 @@
         </p:nvCxnSpPr>
         <p:spPr>
           <a:xfrm rot="10800000">
-            <a:off x="479278" y="1275184"/>
+            <a:off x="269394" y="856846"/>
             <a:ext cx="12700" cy="562338"/>
           </a:xfrm>
           <a:prstGeom prst="bentConnector3">
             <a:avLst>
-              <a:gd name="adj1" fmla="val 1800000"/>
+              <a:gd name="adj1" fmla="val 1406252"/>
             </a:avLst>
           </a:prstGeom>
           <a:ln w="12700">
@@ -4449,27 +3626,36 @@
         <p:nvCxnSpPr>
           <p:cNvPr id="46" name="Elbow Connector 45"/>
           <p:cNvCxnSpPr>
-            <a:stCxn id="13" idx="1"/>
+            <a:stCxn id="15" idx="3"/>
             <a:endCxn id="38" idx="3"/>
           </p:cNvCxnSpPr>
           <p:nvPr/>
         </p:nvCxnSpPr>
         <p:spPr>
-          <a:xfrm rot="10800000" flipV="1">
-            <a:off x="4663415" y="991610"/>
-            <a:ext cx="619610" cy="3001453"/>
+          <a:xfrm>
+            <a:off x="6792994" y="1118164"/>
+            <a:ext cx="1373837" cy="4170391"/>
           </a:xfrm>
           <a:prstGeom prst="bentConnector3">
             <a:avLst>
-              <a:gd name="adj1" fmla="val 50000"/>
+              <a:gd name="adj1" fmla="val 116640"/>
             </a:avLst>
           </a:prstGeom>
           <a:ln w="12700">
             <a:solidFill>
-              <a:schemeClr val="accent3"/>
+              <a:schemeClr val="accent3">
+                <a:lumMod val="75000"/>
+              </a:schemeClr>
             </a:solidFill>
             <a:tailEnd type="triangle" w="med" len="med"/>
           </a:ln>
+          <a:effectLst>
+            <a:glow rad="63500">
+              <a:schemeClr val="bg1">
+                <a:alpha val="69000"/>
+              </a:schemeClr>
+            </a:glow>
+          </a:effectLst>
         </p:spPr>
         <p:style>
           <a:lnRef idx="1">
@@ -4497,7 +3683,7 @@
         </p:nvCxnSpPr>
         <p:spPr>
           <a:xfrm rot="10800000">
-            <a:off x="5283025" y="4887640"/>
+            <a:off x="4852594" y="3091588"/>
             <a:ext cx="12700" cy="274008"/>
           </a:xfrm>
           <a:prstGeom prst="bentConnector3">
@@ -4541,7 +3727,7 @@
         </p:nvCxnSpPr>
         <p:spPr>
           <a:xfrm flipV="1">
-            <a:off x="7223425" y="4887640"/>
+            <a:off x="6792994" y="3091588"/>
             <a:ext cx="12700" cy="549612"/>
           </a:xfrm>
           <a:prstGeom prst="bentConnector3">
@@ -4585,12 +3771,12 @@
         </p:nvCxnSpPr>
         <p:spPr>
           <a:xfrm rot="10800000" flipV="1">
-            <a:off x="5283025" y="4612036"/>
+            <a:off x="4852594" y="2815984"/>
             <a:ext cx="12700" cy="825216"/>
           </a:xfrm>
           <a:prstGeom prst="bentConnector3">
             <a:avLst>
-              <a:gd name="adj1" fmla="val 3660000"/>
+              <a:gd name="adj1" fmla="val 1800000"/>
             </a:avLst>
           </a:prstGeom>
           <a:ln w="12700">
@@ -4629,12 +3815,12 @@
         </p:nvCxnSpPr>
         <p:spPr>
           <a:xfrm>
-            <a:off x="7223425" y="1268812"/>
-            <a:ext cx="12700" cy="3892837"/>
+            <a:off x="6792994" y="850473"/>
+            <a:ext cx="12700" cy="2515123"/>
           </a:xfrm>
           <a:prstGeom prst="bentConnector3">
             <a:avLst>
-              <a:gd name="adj1" fmla="val 3187157"/>
+              <a:gd name="adj1" fmla="val 1800000"/>
             </a:avLst>
           </a:prstGeom>
           <a:ln w="12700">
@@ -4670,7 +3856,7 @@
         </p:nvCxnSpPr>
         <p:spPr>
           <a:xfrm>
-            <a:off x="7223425" y="4057636"/>
+            <a:off x="6792994" y="2261584"/>
             <a:ext cx="12700" cy="554400"/>
           </a:xfrm>
           <a:prstGeom prst="bentConnector3">
@@ -4703,187 +3889,23 @@
           </a:fontRef>
         </p:style>
       </p:cxnSp>
-      <p:sp>
-        <p:nvSpPr>
-          <p:cNvPr id="38" name="Rectangle 12"/>
-          <p:cNvSpPr>
-            <a:spLocks noChangeArrowheads="1"/>
-          </p:cNvSpPr>
-          <p:nvPr/>
-        </p:nvSpPr>
-        <p:spPr bwMode="auto">
-          <a:xfrm>
-            <a:off x="2723015" y="3854464"/>
-            <a:ext cx="1940400" cy="277200"/>
-          </a:xfrm>
-          <a:prstGeom prst="rect">
-            <a:avLst/>
-          </a:prstGeom>
-          <a:solidFill>
-            <a:schemeClr val="bg2">
-              <a:lumMod val="50000"/>
-            </a:schemeClr>
-          </a:solidFill>
-          <a:ln w="12700">
-            <a:solidFill>
-              <a:schemeClr val="bg1"/>
-            </a:solidFill>
-          </a:ln>
-          <a:effectLst/>
-        </p:spPr>
-        <p:txBody>
-          <a:bodyPr vert="horz" wrap="square" lIns="91440" tIns="45720" rIns="91440" bIns="45720" numCol="1" anchor="ctr" anchorCtr="0" compatLnSpc="1">
-            <a:prstTxWarp prst="textNoShape">
-              <a:avLst/>
-            </a:prstTxWarp>
-            <a:spAutoFit/>
-          </a:bodyPr>
-          <a:lstStyle/>
-          <a:p>
-            <a:pPr algn="ctr" defTabSz="914400" eaLnBrk="0" fontAlgn="base" hangingPunct="0">
-              <a:spcBef>
-                <a:spcPct val="0"/>
-              </a:spcBef>
-              <a:spcAft>
-                <a:spcPct val="0"/>
-              </a:spcAft>
-            </a:pPr>
-            <a:r>
-              <a:rPr lang="en-US" altLang="en-US" sz="1200" dirty="0">
-                <a:solidFill>
-                  <a:srgbClr val="FFC66D"/>
-                </a:solidFill>
-                <a:latin typeface="Consolas" panose="020B0609020204030204" pitchFamily="49" charset="0"/>
-              </a:rPr>
-              <a:t>raster2polygon</a:t>
-            </a:r>
-            <a:endParaRPr lang="en-US" altLang="en-US" sz="1200" dirty="0">
-              <a:latin typeface="Arial" panose="020B0604020202020204" pitchFamily="34" charset="0"/>
-            </a:endParaRPr>
-          </a:p>
-        </p:txBody>
-      </p:sp>
-      <p:sp>
-        <p:nvSpPr>
-          <p:cNvPr id="40" name="Rectangle 12"/>
-          <p:cNvSpPr>
-            <a:spLocks noChangeArrowheads="1"/>
-          </p:cNvSpPr>
-          <p:nvPr/>
-        </p:nvSpPr>
-        <p:spPr bwMode="auto">
-          <a:xfrm>
-            <a:off x="2723015" y="4133228"/>
-            <a:ext cx="1940400" cy="277200"/>
-          </a:xfrm>
-          <a:prstGeom prst="rect">
-            <a:avLst/>
-          </a:prstGeom>
-          <a:solidFill>
-            <a:schemeClr val="bg2">
-              <a:lumMod val="50000"/>
-            </a:schemeClr>
-          </a:solidFill>
-          <a:ln w="12700">
-            <a:solidFill>
-              <a:schemeClr val="bg1"/>
-            </a:solidFill>
-          </a:ln>
-          <a:effectLst/>
-        </p:spPr>
-        <p:txBody>
-          <a:bodyPr vert="horz" wrap="square" lIns="91440" tIns="45720" rIns="91440" bIns="45720" numCol="1" anchor="ctr" anchorCtr="0" compatLnSpc="1">
-            <a:prstTxWarp prst="textNoShape">
-              <a:avLst/>
-            </a:prstTxWarp>
-            <a:spAutoFit/>
-          </a:bodyPr>
-          <a:lstStyle/>
-          <a:p>
-            <a:pPr algn="ctr" defTabSz="914400" eaLnBrk="0" fontAlgn="base" hangingPunct="0">
-              <a:spcBef>
-                <a:spcPct val="0"/>
-              </a:spcBef>
-              <a:spcAft>
-                <a:spcPct val="0"/>
-              </a:spcAft>
-            </a:pPr>
-            <a:r>
-              <a:rPr lang="en-US" altLang="en-US" sz="1200" dirty="0" smtClean="0">
-                <a:solidFill>
-                  <a:srgbClr val="FFC66D"/>
-                </a:solidFill>
-                <a:latin typeface="Consolas" panose="020B0609020204030204" pitchFamily="49" charset="0"/>
-              </a:rPr>
-              <a:t>coords2offset</a:t>
-            </a:r>
-            <a:endParaRPr lang="en-US" altLang="en-US" sz="1200" dirty="0">
-              <a:latin typeface="Arial" panose="020B0604020202020204" pitchFamily="34" charset="0"/>
-            </a:endParaRPr>
-          </a:p>
-        </p:txBody>
-      </p:sp>
-      <p:cxnSp>
-        <p:nvCxnSpPr>
-          <p:cNvPr id="41" name="Elbow Connector 40"/>
-          <p:cNvCxnSpPr>
-            <a:stCxn id="40" idx="1"/>
-            <a:endCxn id="19" idx="1"/>
-          </p:cNvCxnSpPr>
-          <p:nvPr/>
-        </p:nvCxnSpPr>
-        <p:spPr>
-          <a:xfrm rot="10800000">
-            <a:off x="2723015" y="3715864"/>
-            <a:ext cx="12700" cy="555964"/>
-          </a:xfrm>
-          <a:prstGeom prst="bentConnector3">
-            <a:avLst>
-              <a:gd name="adj1" fmla="val 1462504"/>
-            </a:avLst>
-          </a:prstGeom>
-          <a:ln w="12700">
-            <a:solidFill>
-              <a:schemeClr val="accent4">
-                <a:lumMod val="60000"/>
-                <a:lumOff val="40000"/>
-              </a:schemeClr>
-            </a:solidFill>
-            <a:tailEnd type="triangle" w="lg" len="med"/>
-          </a:ln>
-        </p:spPr>
-        <p:style>
-          <a:lnRef idx="1">
-            <a:schemeClr val="accent1"/>
-          </a:lnRef>
-          <a:fillRef idx="0">
-            <a:schemeClr val="accent1"/>
-          </a:fillRef>
-          <a:effectRef idx="0">
-            <a:schemeClr val="accent1"/>
-          </a:effectRef>
-          <a:fontRef idx="minor">
-            <a:schemeClr val="tx1"/>
-          </a:fontRef>
-        </p:style>
-      </p:cxnSp>
       <p:cxnSp>
         <p:nvCxnSpPr>
           <p:cNvPr id="44" name="Elbow Connector 43"/>
           <p:cNvCxnSpPr>
             <a:stCxn id="12" idx="3"/>
-            <a:endCxn id="19" idx="1"/>
+            <a:endCxn id="51" idx="1"/>
           </p:cNvCxnSpPr>
           <p:nvPr/>
         </p:nvCxnSpPr>
         <p:spPr>
           <a:xfrm>
-            <a:off x="2419678" y="1560322"/>
-            <a:ext cx="303337" cy="2155542"/>
+            <a:off x="2209794" y="1141984"/>
+            <a:ext cx="4016638" cy="3875600"/>
           </a:xfrm>
           <a:prstGeom prst="bentConnector3">
             <a:avLst>
-              <a:gd name="adj1" fmla="val 14949"/>
+              <a:gd name="adj1" fmla="val 2869"/>
             </a:avLst>
           </a:prstGeom>
           <a:ln w="12700">
@@ -4919,17 +3941,1529 @@
         </p:nvCxnSpPr>
         <p:spPr>
           <a:xfrm>
-            <a:off x="2419678" y="1560322"/>
-            <a:ext cx="303337" cy="2432742"/>
+            <a:off x="2209794" y="1141984"/>
+            <a:ext cx="4016637" cy="4146571"/>
           </a:xfrm>
           <a:prstGeom prst="bentConnector3">
             <a:avLst>
-              <a:gd name="adj1" fmla="val 14948"/>
+              <a:gd name="adj1" fmla="val 735"/>
             </a:avLst>
           </a:prstGeom>
           <a:ln w="12700">
             <a:solidFill>
               <a:schemeClr val="accent3"/>
+            </a:solidFill>
+            <a:tailEnd type="triangle" w="med" len="med"/>
+          </a:ln>
+        </p:spPr>
+        <p:style>
+          <a:lnRef idx="1">
+            <a:schemeClr val="accent1"/>
+          </a:lnRef>
+          <a:fillRef idx="0">
+            <a:schemeClr val="accent1"/>
+          </a:fillRef>
+          <a:effectRef idx="0">
+            <a:schemeClr val="accent1"/>
+          </a:effectRef>
+          <a:fontRef idx="minor">
+            <a:schemeClr val="tx1"/>
+          </a:fontRef>
+        </p:style>
+      </p:cxnSp>
+      <p:grpSp>
+        <p:nvGrpSpPr>
+          <p:cNvPr id="6" name="Group 5"/>
+          <p:cNvGrpSpPr/>
+          <p:nvPr/>
+        </p:nvGrpSpPr>
+        <p:grpSpPr>
+          <a:xfrm>
+            <a:off x="2574072" y="1557784"/>
+            <a:ext cx="1941580" cy="1365956"/>
+            <a:chOff x="2723015" y="2750492"/>
+            <a:chExt cx="1941580" cy="1365956"/>
+          </a:xfrm>
+        </p:grpSpPr>
+        <p:sp>
+          <p:nvSpPr>
+            <p:cNvPr id="16" name="Rectangle 15"/>
+            <p:cNvSpPr/>
+            <p:nvPr/>
+          </p:nvSpPr>
+          <p:spPr>
+            <a:xfrm>
+              <a:off x="2723015" y="2750492"/>
+              <a:ext cx="1940400" cy="288000"/>
+            </a:xfrm>
+            <a:prstGeom prst="rect">
+              <a:avLst/>
+            </a:prstGeom>
+            <a:ln w="12700">
+              <a:solidFill>
+                <a:schemeClr val="bg1"/>
+              </a:solidFill>
+            </a:ln>
+          </p:spPr>
+          <p:style>
+            <a:lnRef idx="2">
+              <a:schemeClr val="accent1">
+                <a:shade val="50000"/>
+              </a:schemeClr>
+            </a:lnRef>
+            <a:fillRef idx="1">
+              <a:schemeClr val="accent1"/>
+            </a:fillRef>
+            <a:effectRef idx="0">
+              <a:schemeClr val="accent1"/>
+            </a:effectRef>
+            <a:fontRef idx="minor">
+              <a:schemeClr val="lt1"/>
+            </a:fontRef>
+          </p:style>
+          <p:txBody>
+            <a:bodyPr rot="0" spcFirstLastPara="0" vertOverflow="overflow" horzOverflow="overflow" vert="horz" wrap="square" lIns="0" tIns="0" rIns="0" bIns="0" numCol="1" spcCol="0" rtlCol="0" fromWordArt="0" anchor="ctr" anchorCtr="0" forceAA="0" compatLnSpc="1">
+              <a:prstTxWarp prst="textNoShape">
+                <a:avLst/>
+              </a:prstTxWarp>
+              <a:noAutofit/>
+            </a:bodyPr>
+            <a:lstStyle/>
+            <a:p>
+              <a:pPr algn="ctr"/>
+              <a:r>
+                <a:rPr lang="en-US" sz="1400" b="1" dirty="0" err="1" smtClean="0">
+                  <a:latin typeface="Helvetica" panose="020B0604020202020204" pitchFamily="34" charset="0"/>
+                  <a:cs typeface="Helvetica" panose="020B0604020202020204" pitchFamily="34" charset="0"/>
+                </a:rPr>
+                <a:t>dataset_mgmt</a:t>
+              </a:r>
+              <a:endParaRPr lang="en-US" sz="1400" b="1" dirty="0">
+                <a:latin typeface="Helvetica" panose="020B0604020202020204" pitchFamily="34" charset="0"/>
+                <a:cs typeface="Helvetica" panose="020B0604020202020204" pitchFamily="34" charset="0"/>
+              </a:endParaRPr>
+            </a:p>
+          </p:txBody>
+        </p:sp>
+        <p:sp>
+          <p:nvSpPr>
+            <p:cNvPr id="17" name="Rectangle 10"/>
+            <p:cNvSpPr>
+              <a:spLocks noChangeArrowheads="1"/>
+            </p:cNvSpPr>
+            <p:nvPr/>
+          </p:nvSpPr>
+          <p:spPr bwMode="auto">
+            <a:xfrm>
+              <a:off x="2723015" y="3038492"/>
+              <a:ext cx="1940400" cy="277200"/>
+            </a:xfrm>
+            <a:prstGeom prst="rect">
+              <a:avLst/>
+            </a:prstGeom>
+            <a:solidFill>
+              <a:schemeClr val="bg2">
+                <a:lumMod val="50000"/>
+              </a:schemeClr>
+            </a:solidFill>
+            <a:ln w="12700">
+              <a:solidFill>
+                <a:schemeClr val="bg1"/>
+              </a:solidFill>
+            </a:ln>
+            <a:effectLst/>
+          </p:spPr>
+          <p:txBody>
+            <a:bodyPr vert="horz" wrap="square" lIns="91440" tIns="45720" rIns="91440" bIns="45720" numCol="1" anchor="ctr" anchorCtr="0" compatLnSpc="1">
+              <a:prstTxWarp prst="textNoShape">
+                <a:avLst/>
+              </a:prstTxWarp>
+              <a:spAutoFit/>
+            </a:bodyPr>
+            <a:lstStyle/>
+            <a:p>
+              <a:pPr algn="ctr" defTabSz="914400" eaLnBrk="0" fontAlgn="base" hangingPunct="0">
+                <a:spcBef>
+                  <a:spcPct val="0"/>
+                </a:spcBef>
+                <a:spcAft>
+                  <a:spcPct val="0"/>
+                </a:spcAft>
+              </a:pPr>
+              <a:r>
+                <a:rPr lang="en-US" altLang="en-US" sz="1200">
+                  <a:solidFill>
+                    <a:srgbClr val="FFC66D"/>
+                  </a:solidFill>
+                  <a:latin typeface="Consolas" panose="020B0609020204030204" pitchFamily="49" charset="0"/>
+                </a:rPr>
+                <a:t>get_layer</a:t>
+              </a:r>
+              <a:endParaRPr lang="en-US" altLang="en-US" sz="1200">
+                <a:latin typeface="Arial" panose="020B0604020202020204" pitchFamily="34" charset="0"/>
+              </a:endParaRPr>
+            </a:p>
+          </p:txBody>
+        </p:sp>
+        <p:sp>
+          <p:nvSpPr>
+            <p:cNvPr id="18" name="Rectangle 11"/>
+            <p:cNvSpPr>
+              <a:spLocks noChangeArrowheads="1"/>
+            </p:cNvSpPr>
+            <p:nvPr/>
+          </p:nvSpPr>
+          <p:spPr bwMode="auto">
+            <a:xfrm>
+              <a:off x="2723015" y="3305128"/>
+              <a:ext cx="1940400" cy="277200"/>
+            </a:xfrm>
+            <a:prstGeom prst="rect">
+              <a:avLst/>
+            </a:prstGeom>
+            <a:solidFill>
+              <a:schemeClr val="bg2">
+                <a:lumMod val="50000"/>
+              </a:schemeClr>
+            </a:solidFill>
+            <a:ln w="12700">
+              <a:solidFill>
+                <a:schemeClr val="bg1"/>
+              </a:solidFill>
+            </a:ln>
+            <a:effectLst/>
+          </p:spPr>
+          <p:txBody>
+            <a:bodyPr vert="horz" wrap="square" lIns="91440" tIns="45720" rIns="91440" bIns="45720" numCol="1" anchor="ctr" anchorCtr="0" compatLnSpc="1">
+              <a:prstTxWarp prst="textNoShape">
+                <a:avLst/>
+              </a:prstTxWarp>
+              <a:spAutoFit/>
+            </a:bodyPr>
+            <a:lstStyle/>
+            <a:p>
+              <a:pPr algn="ctr" defTabSz="914400" eaLnBrk="0" fontAlgn="base" hangingPunct="0">
+                <a:spcBef>
+                  <a:spcPct val="0"/>
+                </a:spcBef>
+                <a:spcAft>
+                  <a:spcPct val="0"/>
+                </a:spcAft>
+              </a:pPr>
+              <a:r>
+                <a:rPr lang="en-US" altLang="en-US" sz="1200">
+                  <a:solidFill>
+                    <a:srgbClr val="FFC66D"/>
+                  </a:solidFill>
+                  <a:latin typeface="Consolas" panose="020B0609020204030204" pitchFamily="49" charset="0"/>
+                </a:rPr>
+                <a:t>verify_dataset</a:t>
+              </a:r>
+              <a:endParaRPr lang="en-US" altLang="en-US" sz="1200">
+                <a:latin typeface="Arial" panose="020B0604020202020204" pitchFamily="34" charset="0"/>
+              </a:endParaRPr>
+            </a:p>
+          </p:txBody>
+        </p:sp>
+        <p:sp>
+          <p:nvSpPr>
+            <p:cNvPr id="40" name="Rectangle 12"/>
+            <p:cNvSpPr>
+              <a:spLocks noChangeArrowheads="1"/>
+            </p:cNvSpPr>
+            <p:nvPr/>
+          </p:nvSpPr>
+          <p:spPr bwMode="auto">
+            <a:xfrm>
+              <a:off x="2723015" y="3565908"/>
+              <a:ext cx="1940400" cy="277200"/>
+            </a:xfrm>
+            <a:prstGeom prst="rect">
+              <a:avLst/>
+            </a:prstGeom>
+            <a:solidFill>
+              <a:schemeClr val="bg2">
+                <a:lumMod val="50000"/>
+              </a:schemeClr>
+            </a:solidFill>
+            <a:ln w="12700">
+              <a:solidFill>
+                <a:schemeClr val="bg1"/>
+              </a:solidFill>
+            </a:ln>
+            <a:effectLst/>
+          </p:spPr>
+          <p:txBody>
+            <a:bodyPr vert="horz" wrap="square" lIns="91440" tIns="45720" rIns="91440" bIns="45720" numCol="1" anchor="ctr" anchorCtr="0" compatLnSpc="1">
+              <a:prstTxWarp prst="textNoShape">
+                <a:avLst/>
+              </a:prstTxWarp>
+              <a:spAutoFit/>
+            </a:bodyPr>
+            <a:lstStyle/>
+            <a:p>
+              <a:pPr algn="ctr" defTabSz="914400" eaLnBrk="0" fontAlgn="base" hangingPunct="0">
+                <a:spcBef>
+                  <a:spcPct val="0"/>
+                </a:spcBef>
+                <a:spcAft>
+                  <a:spcPct val="0"/>
+                </a:spcAft>
+              </a:pPr>
+              <a:r>
+                <a:rPr lang="en-US" altLang="en-US" sz="1200" dirty="0" smtClean="0">
+                  <a:solidFill>
+                    <a:srgbClr val="FFC66D"/>
+                  </a:solidFill>
+                  <a:latin typeface="Consolas" panose="020B0609020204030204" pitchFamily="49" charset="0"/>
+                </a:rPr>
+                <a:t>coords2offset</a:t>
+              </a:r>
+              <a:endParaRPr lang="en-US" altLang="en-US" sz="1200" dirty="0">
+                <a:latin typeface="Arial" panose="020B0604020202020204" pitchFamily="34" charset="0"/>
+              </a:endParaRPr>
+            </a:p>
+          </p:txBody>
+        </p:sp>
+        <p:sp>
+          <p:nvSpPr>
+            <p:cNvPr id="53" name="Rectangle 12"/>
+            <p:cNvSpPr>
+              <a:spLocks noChangeArrowheads="1"/>
+            </p:cNvSpPr>
+            <p:nvPr/>
+          </p:nvSpPr>
+          <p:spPr bwMode="auto">
+            <a:xfrm>
+              <a:off x="2724195" y="3839248"/>
+              <a:ext cx="1940400" cy="277200"/>
+            </a:xfrm>
+            <a:prstGeom prst="rect">
+              <a:avLst/>
+            </a:prstGeom>
+            <a:solidFill>
+              <a:schemeClr val="bg2">
+                <a:lumMod val="50000"/>
+              </a:schemeClr>
+            </a:solidFill>
+            <a:ln w="12700">
+              <a:solidFill>
+                <a:schemeClr val="bg1"/>
+              </a:solidFill>
+            </a:ln>
+            <a:effectLst/>
+          </p:spPr>
+          <p:txBody>
+            <a:bodyPr vert="horz" wrap="square" lIns="91440" tIns="45720" rIns="91440" bIns="45720" numCol="1" anchor="ctr" anchorCtr="0" compatLnSpc="1">
+              <a:prstTxWarp prst="textNoShape">
+                <a:avLst/>
+              </a:prstTxWarp>
+              <a:spAutoFit/>
+            </a:bodyPr>
+            <a:lstStyle/>
+            <a:p>
+              <a:pPr algn="ctr" defTabSz="914400" eaLnBrk="0" fontAlgn="base" hangingPunct="0">
+                <a:spcBef>
+                  <a:spcPct val="0"/>
+                </a:spcBef>
+                <a:spcAft>
+                  <a:spcPct val="0"/>
+                </a:spcAft>
+              </a:pPr>
+              <a:r>
+                <a:rPr lang="en-US" altLang="en-US" sz="1200" dirty="0">
+                  <a:solidFill>
+                    <a:srgbClr val="FFC66D"/>
+                  </a:solidFill>
+                  <a:latin typeface="Consolas" panose="020B0609020204030204" pitchFamily="49" charset="0"/>
+                </a:rPr>
+                <a:t>offset2coords</a:t>
+              </a:r>
+              <a:endParaRPr lang="en-US" altLang="en-US" sz="1200" dirty="0">
+                <a:latin typeface="Arial" panose="020B0604020202020204" pitchFamily="34" charset="0"/>
+              </a:endParaRPr>
+            </a:p>
+          </p:txBody>
+        </p:sp>
+      </p:grpSp>
+      <p:cxnSp>
+        <p:nvCxnSpPr>
+          <p:cNvPr id="39" name="Straight Arrow Connector 38"/>
+          <p:cNvCxnSpPr>
+            <a:stCxn id="16" idx="3"/>
+            <a:endCxn id="20" idx="1"/>
+          </p:cNvCxnSpPr>
+          <p:nvPr/>
+        </p:nvCxnSpPr>
+        <p:spPr>
+          <a:xfrm>
+            <a:off x="4514472" y="1701784"/>
+            <a:ext cx="338122" cy="0"/>
+          </a:xfrm>
+          <a:prstGeom prst="straightConnector1">
+            <a:avLst/>
+          </a:prstGeom>
+          <a:ln w="12700">
+            <a:tailEnd type="triangle" w="lg" len="lg"/>
+          </a:ln>
+        </p:spPr>
+        <p:style>
+          <a:lnRef idx="1">
+            <a:schemeClr val="accent1"/>
+          </a:lnRef>
+          <a:fillRef idx="0">
+            <a:schemeClr val="accent1"/>
+          </a:fillRef>
+          <a:effectRef idx="0">
+            <a:schemeClr val="accent1"/>
+          </a:effectRef>
+          <a:fontRef idx="minor">
+            <a:schemeClr val="tx1"/>
+          </a:fontRef>
+        </p:style>
+      </p:cxnSp>
+      <p:cxnSp>
+        <p:nvCxnSpPr>
+          <p:cNvPr id="62" name="Elbow Connector 61"/>
+          <p:cNvCxnSpPr>
+            <a:stCxn id="15" idx="3"/>
+            <a:endCxn id="51" idx="3"/>
+          </p:cNvCxnSpPr>
+          <p:nvPr/>
+        </p:nvCxnSpPr>
+        <p:spPr>
+          <a:xfrm>
+            <a:off x="6792994" y="1118164"/>
+            <a:ext cx="1373838" cy="3899420"/>
+          </a:xfrm>
+          <a:prstGeom prst="bentConnector3">
+            <a:avLst>
+              <a:gd name="adj1" fmla="val 116640"/>
+            </a:avLst>
+          </a:prstGeom>
+          <a:ln w="12700">
+            <a:solidFill>
+              <a:schemeClr val="accent3">
+                <a:lumMod val="75000"/>
+              </a:schemeClr>
+            </a:solidFill>
+            <a:tailEnd type="triangle" w="med" len="med"/>
+          </a:ln>
+          <a:effectLst>
+            <a:glow rad="63500">
+              <a:schemeClr val="bg1">
+                <a:alpha val="69000"/>
+              </a:schemeClr>
+            </a:glow>
+          </a:effectLst>
+        </p:spPr>
+        <p:style>
+          <a:lnRef idx="1">
+            <a:schemeClr val="accent1"/>
+          </a:lnRef>
+          <a:fillRef idx="0">
+            <a:schemeClr val="accent1"/>
+          </a:fillRef>
+          <a:effectRef idx="0">
+            <a:schemeClr val="accent1"/>
+          </a:effectRef>
+          <a:fontRef idx="minor">
+            <a:schemeClr val="tx1"/>
+          </a:fontRef>
+        </p:style>
+      </p:cxnSp>
+      <p:cxnSp>
+        <p:nvCxnSpPr>
+          <p:cNvPr id="65" name="Elbow Connector 64"/>
+          <p:cNvCxnSpPr>
+            <a:stCxn id="14" idx="3"/>
+            <a:endCxn id="47" idx="3"/>
+          </p:cNvCxnSpPr>
+          <p:nvPr/>
+        </p:nvCxnSpPr>
+        <p:spPr>
+          <a:xfrm>
+            <a:off x="6792994" y="850473"/>
+            <a:ext cx="1373838" cy="3628339"/>
+          </a:xfrm>
+          <a:prstGeom prst="bentConnector3">
+            <a:avLst>
+              <a:gd name="adj1" fmla="val 116640"/>
+            </a:avLst>
+          </a:prstGeom>
+          <a:ln w="12700">
+            <a:solidFill>
+              <a:schemeClr val="accent3"/>
+            </a:solidFill>
+            <a:tailEnd type="triangle" w="med" len="med"/>
+          </a:ln>
+        </p:spPr>
+        <p:style>
+          <a:lnRef idx="1">
+            <a:schemeClr val="accent1"/>
+          </a:lnRef>
+          <a:fillRef idx="0">
+            <a:schemeClr val="accent1"/>
+          </a:fillRef>
+          <a:effectRef idx="0">
+            <a:schemeClr val="accent1"/>
+          </a:effectRef>
+          <a:fontRef idx="minor">
+            <a:schemeClr val="tx1"/>
+          </a:fontRef>
+        </p:style>
+      </p:cxnSp>
+      <p:cxnSp>
+        <p:nvCxnSpPr>
+          <p:cNvPr id="68" name="Elbow Connector 67"/>
+          <p:cNvCxnSpPr>
+            <a:stCxn id="14" idx="3"/>
+            <a:endCxn id="48" idx="3"/>
+          </p:cNvCxnSpPr>
+          <p:nvPr/>
+        </p:nvCxnSpPr>
+        <p:spPr>
+          <a:xfrm>
+            <a:off x="6792994" y="850473"/>
+            <a:ext cx="1373838" cy="3894975"/>
+          </a:xfrm>
+          <a:prstGeom prst="bentConnector3">
+            <a:avLst>
+              <a:gd name="adj1" fmla="val 116640"/>
+            </a:avLst>
+          </a:prstGeom>
+          <a:ln w="12700">
+            <a:solidFill>
+              <a:schemeClr val="accent3"/>
+            </a:solidFill>
+            <a:tailEnd type="triangle" w="med" len="med"/>
+          </a:ln>
+        </p:spPr>
+        <p:style>
+          <a:lnRef idx="1">
+            <a:schemeClr val="accent1"/>
+          </a:lnRef>
+          <a:fillRef idx="0">
+            <a:schemeClr val="accent1"/>
+          </a:fillRef>
+          <a:effectRef idx="0">
+            <a:schemeClr val="accent1"/>
+          </a:effectRef>
+          <a:fontRef idx="minor">
+            <a:schemeClr val="tx1"/>
+          </a:fontRef>
+        </p:style>
+      </p:cxnSp>
+      <p:cxnSp>
+        <p:nvCxnSpPr>
+          <p:cNvPr id="71" name="Elbow Connector 70"/>
+          <p:cNvCxnSpPr>
+            <a:stCxn id="10" idx="1"/>
+            <a:endCxn id="47" idx="1"/>
+          </p:cNvCxnSpPr>
+          <p:nvPr/>
+        </p:nvCxnSpPr>
+        <p:spPr>
+          <a:xfrm rot="10800000" flipH="1" flipV="1">
+            <a:off x="269394" y="571708"/>
+            <a:ext cx="5957038" cy="3907104"/>
+          </a:xfrm>
+          <a:prstGeom prst="bentConnector3">
+            <a:avLst>
+              <a:gd name="adj1" fmla="val -3837"/>
+            </a:avLst>
+          </a:prstGeom>
+          <a:ln w="12700">
+            <a:solidFill>
+              <a:schemeClr val="accent3">
+                <a:lumMod val="75000"/>
+              </a:schemeClr>
+            </a:solidFill>
+            <a:tailEnd type="triangle" w="med" len="med"/>
+          </a:ln>
+          <a:effectLst>
+            <a:glow rad="38100">
+              <a:schemeClr val="bg1">
+                <a:alpha val="74000"/>
+              </a:schemeClr>
+            </a:glow>
+          </a:effectLst>
+        </p:spPr>
+        <p:style>
+          <a:lnRef idx="1">
+            <a:schemeClr val="accent1"/>
+          </a:lnRef>
+          <a:fillRef idx="0">
+            <a:schemeClr val="accent1"/>
+          </a:fillRef>
+          <a:effectRef idx="0">
+            <a:schemeClr val="accent1"/>
+          </a:effectRef>
+          <a:fontRef idx="minor">
+            <a:schemeClr val="tx1"/>
+          </a:fontRef>
+        </p:style>
+      </p:cxnSp>
+      <p:cxnSp>
+        <p:nvCxnSpPr>
+          <p:cNvPr id="75" name="Elbow Connector 74"/>
+          <p:cNvCxnSpPr>
+            <a:stCxn id="10" idx="1"/>
+            <a:endCxn id="48" idx="1"/>
+          </p:cNvCxnSpPr>
+          <p:nvPr/>
+        </p:nvCxnSpPr>
+        <p:spPr>
+          <a:xfrm rot="10800000" flipH="1" flipV="1">
+            <a:off x="269394" y="571708"/>
+            <a:ext cx="5957038" cy="4173740"/>
+          </a:xfrm>
+          <a:prstGeom prst="bentConnector3">
+            <a:avLst>
+              <a:gd name="adj1" fmla="val -3837"/>
+            </a:avLst>
+          </a:prstGeom>
+          <a:ln w="12700">
+            <a:solidFill>
+              <a:schemeClr val="accent3">
+                <a:lumMod val="75000"/>
+              </a:schemeClr>
+            </a:solidFill>
+            <a:tailEnd type="triangle" w="med" len="med"/>
+          </a:ln>
+          <a:effectLst>
+            <a:glow rad="38100">
+              <a:schemeClr val="bg1">
+                <a:alpha val="74000"/>
+              </a:schemeClr>
+            </a:glow>
+          </a:effectLst>
+        </p:spPr>
+        <p:style>
+          <a:lnRef idx="1">
+            <a:schemeClr val="accent1"/>
+          </a:lnRef>
+          <a:fillRef idx="0">
+            <a:schemeClr val="accent1"/>
+          </a:fillRef>
+          <a:effectRef idx="0">
+            <a:schemeClr val="accent1"/>
+          </a:effectRef>
+          <a:fontRef idx="minor">
+            <a:schemeClr val="tx1"/>
+          </a:fontRef>
+        </p:style>
+      </p:cxnSp>
+      <p:grpSp>
+        <p:nvGrpSpPr>
+          <p:cNvPr id="7" name="Group 6"/>
+          <p:cNvGrpSpPr/>
+          <p:nvPr/>
+        </p:nvGrpSpPr>
+        <p:grpSpPr>
+          <a:xfrm>
+            <a:off x="6226431" y="4052212"/>
+            <a:ext cx="1940401" cy="1374943"/>
+            <a:chOff x="-642591" y="2953664"/>
+            <a:chExt cx="1940401" cy="1374943"/>
+          </a:xfrm>
+        </p:grpSpPr>
+        <p:sp>
+          <p:nvSpPr>
+            <p:cNvPr id="38" name="Rectangle 12"/>
+            <p:cNvSpPr>
+              <a:spLocks noChangeArrowheads="1"/>
+            </p:cNvSpPr>
+            <p:nvPr/>
+          </p:nvSpPr>
+          <p:spPr bwMode="auto">
+            <a:xfrm>
+              <a:off x="-642591" y="4051407"/>
+              <a:ext cx="1940400" cy="277200"/>
+            </a:xfrm>
+            <a:prstGeom prst="rect">
+              <a:avLst/>
+            </a:prstGeom>
+            <a:solidFill>
+              <a:schemeClr val="bg2">
+                <a:lumMod val="50000"/>
+              </a:schemeClr>
+            </a:solidFill>
+            <a:ln w="12700">
+              <a:solidFill>
+                <a:schemeClr val="bg1"/>
+              </a:solidFill>
+            </a:ln>
+            <a:effectLst/>
+          </p:spPr>
+          <p:txBody>
+            <a:bodyPr vert="horz" wrap="square" lIns="91440" tIns="45720" rIns="91440" bIns="45720" numCol="1" anchor="ctr" anchorCtr="0" compatLnSpc="1">
+              <a:prstTxWarp prst="textNoShape">
+                <a:avLst/>
+              </a:prstTxWarp>
+              <a:spAutoFit/>
+            </a:bodyPr>
+            <a:lstStyle/>
+            <a:p>
+              <a:pPr algn="ctr" defTabSz="914400" eaLnBrk="0" fontAlgn="base" hangingPunct="0">
+                <a:spcBef>
+                  <a:spcPct val="0"/>
+                </a:spcBef>
+                <a:spcAft>
+                  <a:spcPct val="0"/>
+                </a:spcAft>
+              </a:pPr>
+              <a:r>
+                <a:rPr lang="en-US" altLang="en-US" sz="1200" dirty="0">
+                  <a:solidFill>
+                    <a:srgbClr val="FFC66D"/>
+                  </a:solidFill>
+                  <a:latin typeface="Consolas" panose="020B0609020204030204" pitchFamily="49" charset="0"/>
+                </a:rPr>
+                <a:t>raster2polygon</a:t>
+              </a:r>
+              <a:endParaRPr lang="en-US" altLang="en-US" sz="1200" dirty="0">
+                <a:latin typeface="Arial" panose="020B0604020202020204" pitchFamily="34" charset="0"/>
+              </a:endParaRPr>
+            </a:p>
+          </p:txBody>
+        </p:sp>
+        <p:sp>
+          <p:nvSpPr>
+            <p:cNvPr id="45" name="Rectangle 44"/>
+            <p:cNvSpPr/>
+            <p:nvPr/>
+          </p:nvSpPr>
+          <p:spPr>
+            <a:xfrm>
+              <a:off x="-642590" y="2953664"/>
+              <a:ext cx="1940400" cy="288000"/>
+            </a:xfrm>
+            <a:prstGeom prst="rect">
+              <a:avLst/>
+            </a:prstGeom>
+            <a:ln w="12700">
+              <a:solidFill>
+                <a:schemeClr val="bg1"/>
+              </a:solidFill>
+            </a:ln>
+          </p:spPr>
+          <p:style>
+            <a:lnRef idx="2">
+              <a:schemeClr val="accent1">
+                <a:shade val="50000"/>
+              </a:schemeClr>
+            </a:lnRef>
+            <a:fillRef idx="1">
+              <a:schemeClr val="accent1"/>
+            </a:fillRef>
+            <a:effectRef idx="0">
+              <a:schemeClr val="accent1"/>
+            </a:effectRef>
+            <a:fontRef idx="minor">
+              <a:schemeClr val="lt1"/>
+            </a:fontRef>
+          </p:style>
+          <p:txBody>
+            <a:bodyPr rot="0" spcFirstLastPara="0" vertOverflow="overflow" horzOverflow="overflow" vert="horz" wrap="square" lIns="0" tIns="0" rIns="0" bIns="0" numCol="1" spcCol="0" rtlCol="0" fromWordArt="0" anchor="ctr" anchorCtr="0" forceAA="0" compatLnSpc="1">
+              <a:prstTxWarp prst="textNoShape">
+                <a:avLst/>
+              </a:prstTxWarp>
+              <a:noAutofit/>
+            </a:bodyPr>
+            <a:lstStyle/>
+            <a:p>
+              <a:pPr algn="ctr"/>
+              <a:r>
+                <a:rPr lang="en-US" sz="1400" b="1" dirty="0" err="1" smtClean="0">
+                  <a:latin typeface="Helvetica" panose="020B0604020202020204" pitchFamily="34" charset="0"/>
+                  <a:cs typeface="Helvetica" panose="020B0604020202020204" pitchFamily="34" charset="0"/>
+                </a:rPr>
+                <a:t>geo_tools</a:t>
+              </a:r>
+              <a:endParaRPr lang="en-US" sz="1400" b="1" dirty="0">
+                <a:latin typeface="Helvetica" panose="020B0604020202020204" pitchFamily="34" charset="0"/>
+                <a:cs typeface="Helvetica" panose="020B0604020202020204" pitchFamily="34" charset="0"/>
+              </a:endParaRPr>
+            </a:p>
+          </p:txBody>
+        </p:sp>
+        <p:sp>
+          <p:nvSpPr>
+            <p:cNvPr id="47" name="Rectangle 10"/>
+            <p:cNvSpPr>
+              <a:spLocks noChangeArrowheads="1"/>
+            </p:cNvSpPr>
+            <p:nvPr/>
+          </p:nvSpPr>
+          <p:spPr bwMode="auto">
+            <a:xfrm>
+              <a:off x="-642590" y="3241664"/>
+              <a:ext cx="1940400" cy="277200"/>
+            </a:xfrm>
+            <a:prstGeom prst="rect">
+              <a:avLst/>
+            </a:prstGeom>
+            <a:solidFill>
+              <a:schemeClr val="bg2">
+                <a:lumMod val="50000"/>
+              </a:schemeClr>
+            </a:solidFill>
+            <a:ln w="12700">
+              <a:solidFill>
+                <a:schemeClr val="bg1"/>
+              </a:solidFill>
+            </a:ln>
+            <a:effectLst/>
+          </p:spPr>
+          <p:txBody>
+            <a:bodyPr vert="horz" wrap="square" lIns="91440" tIns="45720" rIns="91440" bIns="45720" numCol="1" anchor="ctr" anchorCtr="0" compatLnSpc="1">
+              <a:prstTxWarp prst="textNoShape">
+                <a:avLst/>
+              </a:prstTxWarp>
+              <a:spAutoFit/>
+            </a:bodyPr>
+            <a:lstStyle/>
+            <a:p>
+              <a:pPr algn="ctr" defTabSz="914400" eaLnBrk="0" fontAlgn="base" hangingPunct="0">
+                <a:spcBef>
+                  <a:spcPct val="0"/>
+                </a:spcBef>
+                <a:spcAft>
+                  <a:spcPct val="0"/>
+                </a:spcAft>
+              </a:pPr>
+              <a:r>
+                <a:rPr lang="en-US" altLang="en-US" sz="1200" dirty="0" smtClean="0">
+                  <a:solidFill>
+                    <a:srgbClr val="FFC66D"/>
+                  </a:solidFill>
+                  <a:latin typeface="Consolas" panose="020B0609020204030204" pitchFamily="49" charset="0"/>
+                </a:rPr>
+                <a:t>points2raster</a:t>
+              </a:r>
+              <a:endParaRPr lang="en-US" altLang="en-US" sz="1200" dirty="0">
+                <a:latin typeface="Arial" panose="020B0604020202020204" pitchFamily="34" charset="0"/>
+              </a:endParaRPr>
+            </a:p>
+          </p:txBody>
+        </p:sp>
+        <p:sp>
+          <p:nvSpPr>
+            <p:cNvPr id="48" name="Rectangle 11"/>
+            <p:cNvSpPr>
+              <a:spLocks noChangeArrowheads="1"/>
+            </p:cNvSpPr>
+            <p:nvPr/>
+          </p:nvSpPr>
+          <p:spPr bwMode="auto">
+            <a:xfrm>
+              <a:off x="-642590" y="3508300"/>
+              <a:ext cx="1940400" cy="277200"/>
+            </a:xfrm>
+            <a:prstGeom prst="rect">
+              <a:avLst/>
+            </a:prstGeom>
+            <a:solidFill>
+              <a:schemeClr val="bg2">
+                <a:lumMod val="50000"/>
+              </a:schemeClr>
+            </a:solidFill>
+            <a:ln w="12700">
+              <a:solidFill>
+                <a:schemeClr val="bg1"/>
+              </a:solidFill>
+            </a:ln>
+            <a:effectLst/>
+          </p:spPr>
+          <p:txBody>
+            <a:bodyPr vert="horz" wrap="square" lIns="91440" tIns="45720" rIns="91440" bIns="45720" numCol="1" anchor="ctr" anchorCtr="0" compatLnSpc="1">
+              <a:prstTxWarp prst="textNoShape">
+                <a:avLst/>
+              </a:prstTxWarp>
+              <a:spAutoFit/>
+            </a:bodyPr>
+            <a:lstStyle/>
+            <a:p>
+              <a:pPr algn="ctr" defTabSz="914400" eaLnBrk="0" fontAlgn="base" hangingPunct="0">
+                <a:spcBef>
+                  <a:spcPct val="0"/>
+                </a:spcBef>
+                <a:spcAft>
+                  <a:spcPct val="0"/>
+                </a:spcAft>
+              </a:pPr>
+              <a:r>
+                <a:rPr lang="en-US" altLang="en-US" sz="1200" dirty="0" smtClean="0">
+                  <a:solidFill>
+                    <a:srgbClr val="FFC66D"/>
+                  </a:solidFill>
+                  <a:latin typeface="Consolas" panose="020B0609020204030204" pitchFamily="49" charset="0"/>
+                </a:rPr>
+                <a:t>polygon2raster</a:t>
+              </a:r>
+              <a:endParaRPr lang="en-US" altLang="en-US" sz="1200" dirty="0">
+                <a:latin typeface="Arial" panose="020B0604020202020204" pitchFamily="34" charset="0"/>
+              </a:endParaRPr>
+            </a:p>
+          </p:txBody>
+        </p:sp>
+        <p:sp>
+          <p:nvSpPr>
+            <p:cNvPr id="51" name="Rectangle 12"/>
+            <p:cNvSpPr>
+              <a:spLocks noChangeArrowheads="1"/>
+            </p:cNvSpPr>
+            <p:nvPr/>
+          </p:nvSpPr>
+          <p:spPr bwMode="auto">
+            <a:xfrm>
+              <a:off x="-642590" y="3780436"/>
+              <a:ext cx="1940400" cy="277200"/>
+            </a:xfrm>
+            <a:prstGeom prst="rect">
+              <a:avLst/>
+            </a:prstGeom>
+            <a:solidFill>
+              <a:schemeClr val="bg2">
+                <a:lumMod val="50000"/>
+              </a:schemeClr>
+            </a:solidFill>
+            <a:ln w="12700">
+              <a:solidFill>
+                <a:schemeClr val="bg1"/>
+              </a:solidFill>
+            </a:ln>
+            <a:effectLst/>
+          </p:spPr>
+          <p:txBody>
+            <a:bodyPr vert="horz" wrap="square" lIns="91440" tIns="45720" rIns="91440" bIns="45720" numCol="1" anchor="ctr" anchorCtr="0" compatLnSpc="1">
+              <a:prstTxWarp prst="textNoShape">
+                <a:avLst/>
+              </a:prstTxWarp>
+              <a:spAutoFit/>
+            </a:bodyPr>
+            <a:lstStyle/>
+            <a:p>
+              <a:pPr algn="ctr" defTabSz="914400" eaLnBrk="0" fontAlgn="base" hangingPunct="0">
+                <a:spcBef>
+                  <a:spcPct val="0"/>
+                </a:spcBef>
+                <a:spcAft>
+                  <a:spcPct val="0"/>
+                </a:spcAft>
+              </a:pPr>
+              <a:r>
+                <a:rPr lang="en-US" altLang="en-US" sz="1200" dirty="0" smtClean="0">
+                  <a:solidFill>
+                    <a:srgbClr val="FFC66D"/>
+                  </a:solidFill>
+                  <a:latin typeface="Consolas" panose="020B0609020204030204" pitchFamily="49" charset="0"/>
+                </a:rPr>
+                <a:t>raster2line</a:t>
+              </a:r>
+              <a:endParaRPr lang="en-US" altLang="en-US" sz="1200" dirty="0">
+                <a:latin typeface="Arial" panose="020B0604020202020204" pitchFamily="34" charset="0"/>
+              </a:endParaRPr>
+            </a:p>
+          </p:txBody>
+        </p:sp>
+      </p:grpSp>
+      <p:grpSp>
+        <p:nvGrpSpPr>
+          <p:cNvPr id="31" name="Group 30"/>
+          <p:cNvGrpSpPr/>
+          <p:nvPr/>
+        </p:nvGrpSpPr>
+        <p:grpSpPr>
+          <a:xfrm>
+            <a:off x="269394" y="145108"/>
+            <a:ext cx="1940400" cy="1412676"/>
+            <a:chOff x="149629" y="4322619"/>
+            <a:chExt cx="1940400" cy="1412676"/>
+          </a:xfrm>
+        </p:grpSpPr>
+        <p:sp>
+          <p:nvSpPr>
+            <p:cNvPr id="4" name="Rectangle 3"/>
+            <p:cNvSpPr/>
+            <p:nvPr/>
+          </p:nvSpPr>
+          <p:spPr>
+            <a:xfrm>
+              <a:off x="149629" y="4322619"/>
+              <a:ext cx="1940400" cy="288000"/>
+            </a:xfrm>
+            <a:prstGeom prst="rect">
+              <a:avLst/>
+            </a:prstGeom>
+            <a:ln w="12700">
+              <a:solidFill>
+                <a:schemeClr val="bg1"/>
+              </a:solidFill>
+            </a:ln>
+          </p:spPr>
+          <p:style>
+            <a:lnRef idx="2">
+              <a:schemeClr val="accent1">
+                <a:shade val="50000"/>
+              </a:schemeClr>
+            </a:lnRef>
+            <a:fillRef idx="1">
+              <a:schemeClr val="accent1"/>
+            </a:fillRef>
+            <a:effectRef idx="0">
+              <a:schemeClr val="accent1"/>
+            </a:effectRef>
+            <a:fontRef idx="minor">
+              <a:schemeClr val="lt1"/>
+            </a:fontRef>
+          </p:style>
+          <p:txBody>
+            <a:bodyPr rot="0" spcFirstLastPara="0" vertOverflow="overflow" horzOverflow="overflow" vert="horz" wrap="square" lIns="0" tIns="0" rIns="0" bIns="0" numCol="1" spcCol="0" rtlCol="0" fromWordArt="0" anchor="ctr" anchorCtr="0" forceAA="0" compatLnSpc="1">
+              <a:prstTxWarp prst="textNoShape">
+                <a:avLst/>
+              </a:prstTxWarp>
+              <a:noAutofit/>
+            </a:bodyPr>
+            <a:lstStyle/>
+            <a:p>
+              <a:pPr algn="ctr"/>
+              <a:r>
+                <a:rPr lang="en-US" sz="1400" b="1" dirty="0" err="1">
+                  <a:latin typeface="Helvetica" panose="020B0604020202020204" pitchFamily="34" charset="0"/>
+                  <a:cs typeface="Helvetica" panose="020B0604020202020204" pitchFamily="34" charset="0"/>
+                </a:rPr>
+                <a:t>shp_mgmt</a:t>
+              </a:r>
+              <a:endParaRPr lang="en-US" sz="1400" b="1" dirty="0">
+                <a:latin typeface="Helvetica" panose="020B0604020202020204" pitchFamily="34" charset="0"/>
+                <a:cs typeface="Helvetica" panose="020B0604020202020204" pitchFamily="34" charset="0"/>
+              </a:endParaRPr>
+            </a:p>
+          </p:txBody>
+        </p:sp>
+        <p:sp>
+          <p:nvSpPr>
+            <p:cNvPr id="8" name="Rectangle 3"/>
+            <p:cNvSpPr>
+              <a:spLocks noChangeArrowheads="1"/>
+            </p:cNvSpPr>
+            <p:nvPr/>
+          </p:nvSpPr>
+          <p:spPr bwMode="auto">
+            <a:xfrm>
+              <a:off x="149629" y="5458095"/>
+              <a:ext cx="1940400" cy="277200"/>
+            </a:xfrm>
+            <a:prstGeom prst="rect">
+              <a:avLst/>
+            </a:prstGeom>
+            <a:solidFill>
+              <a:schemeClr val="bg2">
+                <a:lumMod val="50000"/>
+              </a:schemeClr>
+            </a:solidFill>
+            <a:ln w="12700">
+              <a:solidFill>
+                <a:schemeClr val="bg1"/>
+              </a:solidFill>
+            </a:ln>
+            <a:effectLst/>
+          </p:spPr>
+          <p:txBody>
+            <a:bodyPr vert="horz" wrap="square" lIns="91440" tIns="45720" rIns="91440" bIns="45720" numCol="1" anchor="ctr" anchorCtr="0" compatLnSpc="1">
+              <a:prstTxWarp prst="textNoShape">
+                <a:avLst/>
+              </a:prstTxWarp>
+              <a:spAutoFit/>
+            </a:bodyPr>
+            <a:lstStyle/>
+            <a:p>
+              <a:pPr algn="ctr" defTabSz="914400" eaLnBrk="0" fontAlgn="base" hangingPunct="0">
+                <a:spcBef>
+                  <a:spcPct val="0"/>
+                </a:spcBef>
+                <a:spcAft>
+                  <a:spcPct val="0"/>
+                </a:spcAft>
+              </a:pPr>
+              <a:r>
+                <a:rPr lang="en-US" altLang="en-US" sz="1200" dirty="0" err="1">
+                  <a:solidFill>
+                    <a:srgbClr val="FFC66D"/>
+                  </a:solidFill>
+                  <a:latin typeface="Consolas" panose="020B0609020204030204" pitchFamily="49" charset="0"/>
+                </a:rPr>
+                <a:t>get_geom_description</a:t>
+              </a:r>
+              <a:endParaRPr lang="en-US" altLang="en-US" sz="1200" dirty="0">
+                <a:latin typeface="Arial" panose="020B0604020202020204" pitchFamily="34" charset="0"/>
+              </a:endParaRPr>
+            </a:p>
+          </p:txBody>
+        </p:sp>
+        <p:sp>
+          <p:nvSpPr>
+            <p:cNvPr id="10" name="Rectangle 4"/>
+            <p:cNvSpPr>
+              <a:spLocks noChangeArrowheads="1"/>
+            </p:cNvSpPr>
+            <p:nvPr/>
+          </p:nvSpPr>
+          <p:spPr bwMode="auto">
+            <a:xfrm>
+              <a:off x="149629" y="4610619"/>
+              <a:ext cx="1940400" cy="277200"/>
+            </a:xfrm>
+            <a:prstGeom prst="rect">
+              <a:avLst/>
+            </a:prstGeom>
+            <a:solidFill>
+              <a:schemeClr val="bg2">
+                <a:lumMod val="50000"/>
+              </a:schemeClr>
+            </a:solidFill>
+            <a:ln w="12700">
+              <a:solidFill>
+                <a:schemeClr val="bg1"/>
+              </a:solidFill>
+            </a:ln>
+            <a:effectLst/>
+          </p:spPr>
+          <p:txBody>
+            <a:bodyPr vert="horz" wrap="square" lIns="91440" tIns="45720" rIns="91440" bIns="45720" numCol="1" anchor="ctr" anchorCtr="0" compatLnSpc="1">
+              <a:prstTxWarp prst="textNoShape">
+                <a:avLst/>
+              </a:prstTxWarp>
+              <a:spAutoFit/>
+            </a:bodyPr>
+            <a:lstStyle/>
+            <a:p>
+              <a:pPr algn="ctr" defTabSz="914400" eaLnBrk="0" fontAlgn="base" hangingPunct="0">
+                <a:spcBef>
+                  <a:spcPct val="0"/>
+                </a:spcBef>
+                <a:spcAft>
+                  <a:spcPct val="0"/>
+                </a:spcAft>
+              </a:pPr>
+              <a:r>
+                <a:rPr lang="en-US" altLang="en-US" sz="1200">
+                  <a:solidFill>
+                    <a:srgbClr val="FFC66D"/>
+                  </a:solidFill>
+                  <a:latin typeface="Consolas" panose="020B0609020204030204" pitchFamily="49" charset="0"/>
+                </a:rPr>
+                <a:t>create_shp</a:t>
+              </a:r>
+              <a:endParaRPr lang="en-US" altLang="en-US" sz="1200">
+                <a:latin typeface="Arial" panose="020B0604020202020204" pitchFamily="34" charset="0"/>
+              </a:endParaRPr>
+            </a:p>
+          </p:txBody>
+        </p:sp>
+        <p:sp>
+          <p:nvSpPr>
+            <p:cNvPr id="11" name="Rectangle 5"/>
+            <p:cNvSpPr>
+              <a:spLocks noChangeArrowheads="1"/>
+            </p:cNvSpPr>
+            <p:nvPr/>
+          </p:nvSpPr>
+          <p:spPr bwMode="auto">
+            <a:xfrm>
+              <a:off x="149629" y="4895757"/>
+              <a:ext cx="1940400" cy="277200"/>
+            </a:xfrm>
+            <a:prstGeom prst="rect">
+              <a:avLst/>
+            </a:prstGeom>
+            <a:solidFill>
+              <a:schemeClr val="bg2">
+                <a:lumMod val="50000"/>
+              </a:schemeClr>
+            </a:solidFill>
+            <a:ln w="12700">
+              <a:solidFill>
+                <a:schemeClr val="bg1"/>
+              </a:solidFill>
+            </a:ln>
+            <a:effectLst/>
+          </p:spPr>
+          <p:txBody>
+            <a:bodyPr vert="horz" wrap="square" lIns="91440" tIns="45720" rIns="91440" bIns="45720" numCol="1" anchor="ctr" anchorCtr="0" compatLnSpc="1">
+              <a:prstTxWarp prst="textNoShape">
+                <a:avLst/>
+              </a:prstTxWarp>
+              <a:spAutoFit/>
+            </a:bodyPr>
+            <a:lstStyle/>
+            <a:p>
+              <a:pPr algn="ctr" defTabSz="914400" eaLnBrk="0" fontAlgn="base" hangingPunct="0">
+                <a:spcBef>
+                  <a:spcPct val="0"/>
+                </a:spcBef>
+                <a:spcAft>
+                  <a:spcPct val="0"/>
+                </a:spcAft>
+              </a:pPr>
+              <a:r>
+                <a:rPr lang="en-US" altLang="en-US" sz="1200">
+                  <a:solidFill>
+                    <a:srgbClr val="FFC66D"/>
+                  </a:solidFill>
+                  <a:latin typeface="Consolas" panose="020B0609020204030204" pitchFamily="49" charset="0"/>
+                </a:rPr>
+                <a:t>get_geom_simplified</a:t>
+              </a:r>
+              <a:endParaRPr lang="en-US" altLang="en-US" sz="1200">
+                <a:latin typeface="Arial" panose="020B0604020202020204" pitchFamily="34" charset="0"/>
+              </a:endParaRPr>
+            </a:p>
+          </p:txBody>
+        </p:sp>
+        <p:sp>
+          <p:nvSpPr>
+            <p:cNvPr id="12" name="Rectangle 6"/>
+            <p:cNvSpPr>
+              <a:spLocks noChangeArrowheads="1"/>
+            </p:cNvSpPr>
+            <p:nvPr/>
+          </p:nvSpPr>
+          <p:spPr bwMode="auto">
+            <a:xfrm>
+              <a:off x="149629" y="5180895"/>
+              <a:ext cx="1940400" cy="277200"/>
+            </a:xfrm>
+            <a:prstGeom prst="rect">
+              <a:avLst/>
+            </a:prstGeom>
+            <a:solidFill>
+              <a:schemeClr val="bg2">
+                <a:lumMod val="50000"/>
+              </a:schemeClr>
+            </a:solidFill>
+            <a:ln w="12700">
+              <a:solidFill>
+                <a:schemeClr val="bg1"/>
+              </a:solidFill>
+            </a:ln>
+            <a:effectLst/>
+          </p:spPr>
+          <p:txBody>
+            <a:bodyPr vert="horz" wrap="square" lIns="91440" tIns="45720" rIns="91440" bIns="45720" numCol="1" anchor="ctr" anchorCtr="0" compatLnSpc="1">
+              <a:prstTxWarp prst="textNoShape">
+                <a:avLst/>
+              </a:prstTxWarp>
+              <a:spAutoFit/>
+            </a:bodyPr>
+            <a:lstStyle/>
+            <a:p>
+              <a:pPr algn="ctr" defTabSz="914400" eaLnBrk="0" fontAlgn="base" hangingPunct="0">
+                <a:spcBef>
+                  <a:spcPct val="0"/>
+                </a:spcBef>
+                <a:spcAft>
+                  <a:spcPct val="0"/>
+                </a:spcAft>
+              </a:pPr>
+              <a:r>
+                <a:rPr lang="en-US" altLang="en-US" sz="1200">
+                  <a:solidFill>
+                    <a:srgbClr val="FFC66D"/>
+                  </a:solidFill>
+                  <a:latin typeface="Consolas" panose="020B0609020204030204" pitchFamily="49" charset="0"/>
+                </a:rPr>
+                <a:t>verify_shp_name</a:t>
+              </a:r>
+              <a:endParaRPr lang="en-US" altLang="en-US" sz="1200">
+                <a:latin typeface="Arial" panose="020B0604020202020204" pitchFamily="34" charset="0"/>
+              </a:endParaRPr>
+            </a:p>
+          </p:txBody>
+        </p:sp>
+      </p:grpSp>
+      <p:grpSp>
+        <p:nvGrpSpPr>
+          <p:cNvPr id="30" name="Group 29"/>
+          <p:cNvGrpSpPr/>
+          <p:nvPr/>
+        </p:nvGrpSpPr>
+        <p:grpSpPr>
+          <a:xfrm>
+            <a:off x="4852594" y="145108"/>
+            <a:ext cx="1940400" cy="1111656"/>
+            <a:chOff x="2557270" y="4294564"/>
+            <a:chExt cx="1940400" cy="1111656"/>
+          </a:xfrm>
+        </p:grpSpPr>
+        <p:sp>
+          <p:nvSpPr>
+            <p:cNvPr id="9" name="Rectangle 8"/>
+            <p:cNvSpPr/>
+            <p:nvPr/>
+          </p:nvSpPr>
+          <p:spPr>
+            <a:xfrm>
+              <a:off x="2557270" y="4294564"/>
+              <a:ext cx="1940400" cy="288000"/>
+            </a:xfrm>
+            <a:prstGeom prst="rect">
+              <a:avLst/>
+            </a:prstGeom>
+            <a:ln w="12700">
+              <a:solidFill>
+                <a:schemeClr val="bg1"/>
+              </a:solidFill>
+            </a:ln>
+          </p:spPr>
+          <p:style>
+            <a:lnRef idx="2">
+              <a:schemeClr val="accent1">
+                <a:shade val="50000"/>
+              </a:schemeClr>
+            </a:lnRef>
+            <a:fillRef idx="1">
+              <a:schemeClr val="accent1"/>
+            </a:fillRef>
+            <a:effectRef idx="0">
+              <a:schemeClr val="accent1"/>
+            </a:effectRef>
+            <a:fontRef idx="minor">
+              <a:schemeClr val="lt1"/>
+            </a:fontRef>
+          </p:style>
+          <p:txBody>
+            <a:bodyPr rot="0" spcFirstLastPara="0" vertOverflow="overflow" horzOverflow="overflow" vert="horz" wrap="square" lIns="0" tIns="0" rIns="0" bIns="0" numCol="1" spcCol="0" rtlCol="0" fromWordArt="0" anchor="ctr" anchorCtr="0" forceAA="0" compatLnSpc="1">
+              <a:prstTxWarp prst="textNoShape">
+                <a:avLst/>
+              </a:prstTxWarp>
+              <a:noAutofit/>
+            </a:bodyPr>
+            <a:lstStyle/>
+            <a:p>
+              <a:pPr algn="ctr"/>
+              <a:r>
+                <a:rPr lang="en-US" sz="1400" b="1" dirty="0" err="1">
+                  <a:latin typeface="Helvetica" panose="020B0604020202020204" pitchFamily="34" charset="0"/>
+                  <a:cs typeface="Helvetica" panose="020B0604020202020204" pitchFamily="34" charset="0"/>
+                </a:rPr>
+                <a:t>raster_mgmt</a:t>
+              </a:r>
+              <a:endParaRPr lang="en-US" sz="1400" b="1" dirty="0">
+                <a:latin typeface="Helvetica" panose="020B0604020202020204" pitchFamily="34" charset="0"/>
+                <a:cs typeface="Helvetica" panose="020B0604020202020204" pitchFamily="34" charset="0"/>
+              </a:endParaRPr>
+            </a:p>
+          </p:txBody>
+        </p:sp>
+        <p:sp>
+          <p:nvSpPr>
+            <p:cNvPr id="13" name="Rectangle 7"/>
+            <p:cNvSpPr>
+              <a:spLocks noChangeArrowheads="1"/>
+            </p:cNvSpPr>
+            <p:nvPr/>
+          </p:nvSpPr>
+          <p:spPr bwMode="auto">
+            <a:xfrm>
+              <a:off x="2557270" y="4584129"/>
+              <a:ext cx="1940400" cy="277200"/>
+            </a:xfrm>
+            <a:prstGeom prst="rect">
+              <a:avLst/>
+            </a:prstGeom>
+            <a:solidFill>
+              <a:schemeClr val="bg2">
+                <a:lumMod val="50000"/>
+              </a:schemeClr>
+            </a:solidFill>
+            <a:ln w="12700">
+              <a:solidFill>
+                <a:schemeClr val="bg1"/>
+              </a:solidFill>
+            </a:ln>
+            <a:effectLst/>
+          </p:spPr>
+          <p:txBody>
+            <a:bodyPr vert="horz" wrap="square" lIns="91440" tIns="45720" rIns="91440" bIns="45720" numCol="1" anchor="ctr" anchorCtr="0" compatLnSpc="1">
+              <a:prstTxWarp prst="textNoShape">
+                <a:avLst/>
+              </a:prstTxWarp>
+              <a:spAutoFit/>
+            </a:bodyPr>
+            <a:lstStyle/>
+            <a:p>
+              <a:pPr algn="ctr" defTabSz="914400" eaLnBrk="0" fontAlgn="base" hangingPunct="0">
+                <a:spcBef>
+                  <a:spcPct val="0"/>
+                </a:spcBef>
+                <a:spcAft>
+                  <a:spcPct val="0"/>
+                </a:spcAft>
+              </a:pPr>
+              <a:r>
+                <a:rPr lang="en-US" altLang="en-US" sz="1200">
+                  <a:solidFill>
+                    <a:srgbClr val="FFC66D"/>
+                  </a:solidFill>
+                  <a:latin typeface="Consolas" panose="020B0609020204030204" pitchFamily="49" charset="0"/>
+                </a:rPr>
+                <a:t>open_raster</a:t>
+              </a:r>
+              <a:endParaRPr lang="en-US" altLang="en-US" sz="1200">
+                <a:latin typeface="Arial" panose="020B0604020202020204" pitchFamily="34" charset="0"/>
+              </a:endParaRPr>
+            </a:p>
+          </p:txBody>
+        </p:sp>
+        <p:sp>
+          <p:nvSpPr>
+            <p:cNvPr id="14" name="Rectangle 8"/>
+            <p:cNvSpPr>
+              <a:spLocks noChangeArrowheads="1"/>
+            </p:cNvSpPr>
+            <p:nvPr/>
+          </p:nvSpPr>
+          <p:spPr bwMode="auto">
+            <a:xfrm>
+              <a:off x="2557270" y="4861329"/>
+              <a:ext cx="1940400" cy="277200"/>
+            </a:xfrm>
+            <a:prstGeom prst="rect">
+              <a:avLst/>
+            </a:prstGeom>
+            <a:solidFill>
+              <a:schemeClr val="bg2">
+                <a:lumMod val="50000"/>
+              </a:schemeClr>
+            </a:solidFill>
+            <a:ln w="12700">
+              <a:solidFill>
+                <a:schemeClr val="bg1"/>
+              </a:solidFill>
+            </a:ln>
+            <a:effectLst/>
+          </p:spPr>
+          <p:txBody>
+            <a:bodyPr vert="horz" wrap="square" lIns="91440" tIns="45720" rIns="91440" bIns="45720" numCol="1" anchor="ctr" anchorCtr="0" compatLnSpc="1">
+              <a:prstTxWarp prst="textNoShape">
+                <a:avLst/>
+              </a:prstTxWarp>
+              <a:spAutoFit/>
+            </a:bodyPr>
+            <a:lstStyle/>
+            <a:p>
+              <a:pPr algn="ctr" defTabSz="914400" eaLnBrk="0" fontAlgn="base" hangingPunct="0">
+                <a:spcBef>
+                  <a:spcPct val="0"/>
+                </a:spcBef>
+                <a:spcAft>
+                  <a:spcPct val="0"/>
+                </a:spcAft>
+              </a:pPr>
+              <a:r>
+                <a:rPr lang="en-US" altLang="en-US" sz="1200">
+                  <a:solidFill>
+                    <a:srgbClr val="FFC66D"/>
+                  </a:solidFill>
+                  <a:latin typeface="Consolas" panose="020B0609020204030204" pitchFamily="49" charset="0"/>
+                </a:rPr>
+                <a:t>create_raster</a:t>
+              </a:r>
+              <a:endParaRPr lang="en-US" altLang="en-US" sz="1200">
+                <a:latin typeface="Arial" panose="020B0604020202020204" pitchFamily="34" charset="0"/>
+              </a:endParaRPr>
+            </a:p>
+          </p:txBody>
+        </p:sp>
+        <p:sp>
+          <p:nvSpPr>
+            <p:cNvPr id="15" name="Rectangle 9"/>
+            <p:cNvSpPr>
+              <a:spLocks noChangeArrowheads="1"/>
+            </p:cNvSpPr>
+            <p:nvPr/>
+          </p:nvSpPr>
+          <p:spPr bwMode="auto">
+            <a:xfrm>
+              <a:off x="2557270" y="5129020"/>
+              <a:ext cx="1940400" cy="277200"/>
+            </a:xfrm>
+            <a:prstGeom prst="rect">
+              <a:avLst/>
+            </a:prstGeom>
+            <a:solidFill>
+              <a:schemeClr val="bg2">
+                <a:lumMod val="50000"/>
+              </a:schemeClr>
+            </a:solidFill>
+            <a:ln w="12700">
+              <a:solidFill>
+                <a:schemeClr val="bg1"/>
+              </a:solidFill>
+            </a:ln>
+            <a:effectLst/>
+          </p:spPr>
+          <p:txBody>
+            <a:bodyPr vert="horz" wrap="square" lIns="91440" tIns="45720" rIns="91440" bIns="45720" numCol="1" anchor="ctr" anchorCtr="0" compatLnSpc="1">
+              <a:prstTxWarp prst="textNoShape">
+                <a:avLst/>
+              </a:prstTxWarp>
+              <a:spAutoFit/>
+            </a:bodyPr>
+            <a:lstStyle/>
+            <a:p>
+              <a:pPr algn="ctr" defTabSz="914400" eaLnBrk="0" fontAlgn="base" hangingPunct="0">
+                <a:spcBef>
+                  <a:spcPct val="0"/>
+                </a:spcBef>
+                <a:spcAft>
+                  <a:spcPct val="0"/>
+                </a:spcAft>
+              </a:pPr>
+              <a:r>
+                <a:rPr lang="en-US" altLang="en-US" sz="1200">
+                  <a:solidFill>
+                    <a:srgbClr val="FFC66D"/>
+                  </a:solidFill>
+                  <a:latin typeface="Consolas" panose="020B0609020204030204" pitchFamily="49" charset="0"/>
+                </a:rPr>
+                <a:t>raster2array</a:t>
+              </a:r>
+              <a:endParaRPr lang="en-US" altLang="en-US" sz="1200">
+                <a:latin typeface="Arial" panose="020B0604020202020204" pitchFamily="34" charset="0"/>
+              </a:endParaRPr>
+            </a:p>
+          </p:txBody>
+        </p:sp>
+      </p:grpSp>
+      <p:cxnSp>
+        <p:nvCxnSpPr>
+          <p:cNvPr id="78" name="Elbow Connector 77"/>
+          <p:cNvCxnSpPr>
+            <a:stCxn id="13" idx="1"/>
+            <a:endCxn id="15" idx="1"/>
+          </p:cNvCxnSpPr>
+          <p:nvPr/>
+        </p:nvCxnSpPr>
+        <p:spPr>
+          <a:xfrm rot="10800000" flipV="1">
+            <a:off x="4852594" y="573272"/>
+            <a:ext cx="12700" cy="544891"/>
+          </a:xfrm>
+          <a:prstGeom prst="bentConnector3">
+            <a:avLst>
+              <a:gd name="adj1" fmla="val 1800000"/>
+            </a:avLst>
+          </a:prstGeom>
+          <a:ln w="12700">
+            <a:solidFill>
+              <a:schemeClr val="accent4">
+                <a:lumMod val="60000"/>
+                <a:lumOff val="40000"/>
+              </a:schemeClr>
             </a:solidFill>
             <a:tailEnd type="triangle" w="med" len="med"/>
           </a:ln>

--- a/graphs/geo-utils-uml.pptx
+++ b/graphs/geo-utils-uml.pptx
@@ -3688,7 +3688,7 @@
           </a:xfrm>
           <a:prstGeom prst="bentConnector3">
             <a:avLst>
-              <a:gd name="adj1" fmla="val 1800000"/>
+              <a:gd name="adj1" fmla="val 1186039"/>
             </a:avLst>
           </a:prstGeom>
           <a:ln w="12700">
@@ -3776,7 +3776,7 @@
           </a:xfrm>
           <a:prstGeom prst="bentConnector3">
             <a:avLst>
-              <a:gd name="adj1" fmla="val 1800000"/>
+              <a:gd name="adj1" fmla="val 1964827"/>
             </a:avLst>
           </a:prstGeom>
           <a:ln w="12700">
@@ -3820,7 +3820,7 @@
           </a:xfrm>
           <a:prstGeom prst="bentConnector3">
             <a:avLst>
-              <a:gd name="adj1" fmla="val 1800000"/>
+              <a:gd name="adj1" fmla="val 2475000"/>
             </a:avLst>
           </a:prstGeom>
           <a:ln w="12700">

--- a/graphs/geo-utils-uml.pptx
+++ b/graphs/geo-utils-uml.pptx
@@ -243,7 +243,7 @@
           <a:p>
             <a:fld id="{F26F8DF3-DDE4-4A22-B8E4-10B2EE9930CA}" type="datetimeFigureOut">
               <a:rPr lang="en-US" smtClean="0"/>
-              <a:t>7/9/2020</a:t>
+              <a:t>7/10/2020</a:t>
             </a:fld>
             <a:endParaRPr lang="en-US"/>
           </a:p>
@@ -413,7 +413,7 @@
           <a:p>
             <a:fld id="{F26F8DF3-DDE4-4A22-B8E4-10B2EE9930CA}" type="datetimeFigureOut">
               <a:rPr lang="en-US" smtClean="0"/>
-              <a:t>7/9/2020</a:t>
+              <a:t>7/10/2020</a:t>
             </a:fld>
             <a:endParaRPr lang="en-US"/>
           </a:p>
@@ -593,7 +593,7 @@
           <a:p>
             <a:fld id="{F26F8DF3-DDE4-4A22-B8E4-10B2EE9930CA}" type="datetimeFigureOut">
               <a:rPr lang="en-US" smtClean="0"/>
-              <a:t>7/9/2020</a:t>
+              <a:t>7/10/2020</a:t>
             </a:fld>
             <a:endParaRPr lang="en-US"/>
           </a:p>
@@ -763,7 +763,7 @@
           <a:p>
             <a:fld id="{F26F8DF3-DDE4-4A22-B8E4-10B2EE9930CA}" type="datetimeFigureOut">
               <a:rPr lang="en-US" smtClean="0"/>
-              <a:t>7/9/2020</a:t>
+              <a:t>7/10/2020</a:t>
             </a:fld>
             <a:endParaRPr lang="en-US"/>
           </a:p>
@@ -1007,7 +1007,7 @@
           <a:p>
             <a:fld id="{F26F8DF3-DDE4-4A22-B8E4-10B2EE9930CA}" type="datetimeFigureOut">
               <a:rPr lang="en-US" smtClean="0"/>
-              <a:t>7/9/2020</a:t>
+              <a:t>7/10/2020</a:t>
             </a:fld>
             <a:endParaRPr lang="en-US"/>
           </a:p>
@@ -1239,7 +1239,7 @@
           <a:p>
             <a:fld id="{F26F8DF3-DDE4-4A22-B8E4-10B2EE9930CA}" type="datetimeFigureOut">
               <a:rPr lang="en-US" smtClean="0"/>
-              <a:t>7/9/2020</a:t>
+              <a:t>7/10/2020</a:t>
             </a:fld>
             <a:endParaRPr lang="en-US"/>
           </a:p>
@@ -1606,7 +1606,7 @@
           <a:p>
             <a:fld id="{F26F8DF3-DDE4-4A22-B8E4-10B2EE9930CA}" type="datetimeFigureOut">
               <a:rPr lang="en-US" smtClean="0"/>
-              <a:t>7/9/2020</a:t>
+              <a:t>7/10/2020</a:t>
             </a:fld>
             <a:endParaRPr lang="en-US"/>
           </a:p>
@@ -1724,7 +1724,7 @@
           <a:p>
             <a:fld id="{F26F8DF3-DDE4-4A22-B8E4-10B2EE9930CA}" type="datetimeFigureOut">
               <a:rPr lang="en-US" smtClean="0"/>
-              <a:t>7/9/2020</a:t>
+              <a:t>7/10/2020</a:t>
             </a:fld>
             <a:endParaRPr lang="en-US"/>
           </a:p>
@@ -1819,7 +1819,7 @@
           <a:p>
             <a:fld id="{F26F8DF3-DDE4-4A22-B8E4-10B2EE9930CA}" type="datetimeFigureOut">
               <a:rPr lang="en-US" smtClean="0"/>
-              <a:t>7/9/2020</a:t>
+              <a:t>7/10/2020</a:t>
             </a:fld>
             <a:endParaRPr lang="en-US"/>
           </a:p>
@@ -2096,7 +2096,7 @@
           <a:p>
             <a:fld id="{F26F8DF3-DDE4-4A22-B8E4-10B2EE9930CA}" type="datetimeFigureOut">
               <a:rPr lang="en-US" smtClean="0"/>
-              <a:t>7/9/2020</a:t>
+              <a:t>7/10/2020</a:t>
             </a:fld>
             <a:endParaRPr lang="en-US"/>
           </a:p>
@@ -2353,7 +2353,7 @@
           <a:p>
             <a:fld id="{F26F8DF3-DDE4-4A22-B8E4-10B2EE9930CA}" type="datetimeFigureOut">
               <a:rPr lang="en-US" smtClean="0"/>
-              <a:t>7/9/2020</a:t>
+              <a:t>7/10/2020</a:t>
             </a:fld>
             <a:endParaRPr lang="en-US"/>
           </a:p>
@@ -2567,7 +2567,7 @@
             <a:fld id="{F26F8DF3-DDE4-4A22-B8E4-10B2EE9930CA}" type="datetimeFigureOut">
               <a:rPr lang="en-US" smtClean="0"/>
               <a:pPr/>
-              <a:t>7/9/2020</a:t>
+              <a:t>7/10/2020</a:t>
             </a:fld>
             <a:endParaRPr lang="en-US"/>
           </a:p>
@@ -2973,6 +2973,50 @@
           <a:chExt cx="0" cy="0"/>
         </a:xfrm>
       </p:grpSpPr>
+      <p:cxnSp>
+        <p:nvCxnSpPr>
+          <p:cNvPr id="56" name="Elbow Connector 55"/>
+          <p:cNvCxnSpPr>
+            <a:stCxn id="54" idx="1"/>
+            <a:endCxn id="38" idx="1"/>
+          </p:cNvCxnSpPr>
+          <p:nvPr/>
+        </p:nvCxnSpPr>
+        <p:spPr>
+          <a:xfrm rot="10800000">
+            <a:off x="6226431" y="5288555"/>
+            <a:ext cx="12700" cy="280976"/>
+          </a:xfrm>
+          <a:prstGeom prst="bentConnector3">
+            <a:avLst>
+              <a:gd name="adj1" fmla="val 1800000"/>
+            </a:avLst>
+          </a:prstGeom>
+          <a:ln w="12700">
+            <a:solidFill>
+              <a:schemeClr val="accent4">
+                <a:lumMod val="60000"/>
+                <a:lumOff val="40000"/>
+              </a:schemeClr>
+            </a:solidFill>
+            <a:tailEnd type="triangle" w="lg" len="med"/>
+          </a:ln>
+        </p:spPr>
+        <p:style>
+          <a:lnRef idx="1">
+            <a:schemeClr val="accent1"/>
+          </a:lnRef>
+          <a:fillRef idx="0">
+            <a:schemeClr val="accent1"/>
+          </a:fillRef>
+          <a:effectRef idx="0">
+            <a:schemeClr val="accent1"/>
+          </a:effectRef>
+          <a:fontRef idx="minor">
+            <a:schemeClr val="tx1"/>
+          </a:fontRef>
+        </p:style>
+      </p:cxnSp>
       <p:grpSp>
         <p:nvGrpSpPr>
           <p:cNvPr id="28" name="Group 27"/>
@@ -3688,7 +3732,7 @@
           </a:xfrm>
           <a:prstGeom prst="bentConnector3">
             <a:avLst>
-              <a:gd name="adj1" fmla="val 1186039"/>
+              <a:gd name="adj1" fmla="val 1073535"/>
             </a:avLst>
           </a:prstGeom>
           <a:ln w="12700">
@@ -3776,7 +3820,7 @@
           </a:xfrm>
           <a:prstGeom prst="bentConnector3">
             <a:avLst>
-              <a:gd name="adj1" fmla="val 1964827"/>
+              <a:gd name="adj1" fmla="val 1458575"/>
             </a:avLst>
           </a:prstGeom>
           <a:ln w="12700">
@@ -5483,6 +5527,107 @@
           </a:fontRef>
         </p:style>
       </p:cxnSp>
+      <p:sp>
+        <p:nvSpPr>
+          <p:cNvPr id="54" name="Rectangle 12"/>
+          <p:cNvSpPr>
+            <a:spLocks noChangeArrowheads="1"/>
+          </p:cNvSpPr>
+          <p:nvPr/>
+        </p:nvSpPr>
+        <p:spPr bwMode="auto">
+          <a:xfrm>
+            <a:off x="6226431" y="5430931"/>
+            <a:ext cx="1940400" cy="277200"/>
+          </a:xfrm>
+          <a:prstGeom prst="rect">
+            <a:avLst/>
+          </a:prstGeom>
+          <a:solidFill>
+            <a:schemeClr val="bg2">
+              <a:lumMod val="50000"/>
+            </a:schemeClr>
+          </a:solidFill>
+          <a:ln w="12700">
+            <a:solidFill>
+              <a:schemeClr val="bg1"/>
+            </a:solidFill>
+          </a:ln>
+          <a:effectLst/>
+        </p:spPr>
+        <p:txBody>
+          <a:bodyPr vert="horz" wrap="square" lIns="91440" tIns="45720" rIns="91440" bIns="45720" numCol="1" anchor="ctr" anchorCtr="0" compatLnSpc="1">
+            <a:prstTxWarp prst="textNoShape">
+              <a:avLst/>
+            </a:prstTxWarp>
+            <a:spAutoFit/>
+          </a:bodyPr>
+          <a:lstStyle/>
+          <a:p>
+            <a:pPr algn="ctr" defTabSz="914400" eaLnBrk="0" fontAlgn="base" hangingPunct="0">
+              <a:spcBef>
+                <a:spcPct val="0"/>
+              </a:spcBef>
+              <a:spcAft>
+                <a:spcPct val="0"/>
+              </a:spcAft>
+            </a:pPr>
+            <a:r>
+              <a:rPr lang="en-US" altLang="en-US" sz="1200" dirty="0" smtClean="0">
+                <a:solidFill>
+                  <a:srgbClr val="FFC66D"/>
+                </a:solidFill>
+                <a:latin typeface="Consolas" panose="020B0609020204030204" pitchFamily="49" charset="0"/>
+              </a:rPr>
+              <a:t>float2int</a:t>
+            </a:r>
+            <a:endParaRPr lang="en-US" altLang="en-US" sz="1200" dirty="0">
+              <a:latin typeface="Arial" panose="020B0604020202020204" pitchFamily="34" charset="0"/>
+            </a:endParaRPr>
+          </a:p>
+        </p:txBody>
+      </p:sp>
+      <p:cxnSp>
+        <p:nvCxnSpPr>
+          <p:cNvPr id="59" name="Elbow Connector 58"/>
+          <p:cNvCxnSpPr>
+            <a:stCxn id="53" idx="3"/>
+            <a:endCxn id="51" idx="1"/>
+          </p:cNvCxnSpPr>
+          <p:nvPr/>
+        </p:nvCxnSpPr>
+        <p:spPr>
+          <a:xfrm>
+            <a:off x="4515652" y="2785140"/>
+            <a:ext cx="1710780" cy="2232444"/>
+          </a:xfrm>
+          <a:prstGeom prst="bentConnector3">
+            <a:avLst>
+              <a:gd name="adj1" fmla="val 5737"/>
+            </a:avLst>
+          </a:prstGeom>
+          <a:ln w="12700">
+            <a:solidFill>
+              <a:schemeClr val="accent3"/>
+            </a:solidFill>
+            <a:tailEnd type="triangle" w="med" len="med"/>
+          </a:ln>
+        </p:spPr>
+        <p:style>
+          <a:lnRef idx="1">
+            <a:schemeClr val="accent1"/>
+          </a:lnRef>
+          <a:fillRef idx="0">
+            <a:schemeClr val="accent1"/>
+          </a:fillRef>
+          <a:effectRef idx="0">
+            <a:schemeClr val="accent1"/>
+          </a:effectRef>
+          <a:fontRef idx="minor">
+            <a:schemeClr val="tx1"/>
+          </a:fontRef>
+        </p:style>
+      </p:cxnSp>
     </p:spTree>
     <p:extLst>
       <p:ext uri="{BB962C8B-B14F-4D97-AF65-F5344CB8AC3E}">

--- a/graphs/geo-utils-uml.pptx
+++ b/graphs/geo-utils-uml.pptx
@@ -3933,88 +3933,6 @@
           </a:fontRef>
         </p:style>
       </p:cxnSp>
-      <p:cxnSp>
-        <p:nvCxnSpPr>
-          <p:cNvPr id="44" name="Elbow Connector 43"/>
-          <p:cNvCxnSpPr>
-            <a:stCxn id="12" idx="3"/>
-            <a:endCxn id="51" idx="1"/>
-          </p:cNvCxnSpPr>
-          <p:nvPr/>
-        </p:nvCxnSpPr>
-        <p:spPr>
-          <a:xfrm>
-            <a:off x="2209794" y="1141984"/>
-            <a:ext cx="4016638" cy="3875600"/>
-          </a:xfrm>
-          <a:prstGeom prst="bentConnector3">
-            <a:avLst>
-              <a:gd name="adj1" fmla="val 2869"/>
-            </a:avLst>
-          </a:prstGeom>
-          <a:ln w="12700">
-            <a:solidFill>
-              <a:schemeClr val="accent3"/>
-            </a:solidFill>
-            <a:tailEnd type="triangle" w="med" len="med"/>
-          </a:ln>
-        </p:spPr>
-        <p:style>
-          <a:lnRef idx="1">
-            <a:schemeClr val="accent1"/>
-          </a:lnRef>
-          <a:fillRef idx="0">
-            <a:schemeClr val="accent1"/>
-          </a:fillRef>
-          <a:effectRef idx="0">
-            <a:schemeClr val="accent1"/>
-          </a:effectRef>
-          <a:fontRef idx="minor">
-            <a:schemeClr val="tx1"/>
-          </a:fontRef>
-        </p:style>
-      </p:cxnSp>
-      <p:cxnSp>
-        <p:nvCxnSpPr>
-          <p:cNvPr id="50" name="Elbow Connector 49"/>
-          <p:cNvCxnSpPr>
-            <a:stCxn id="12" idx="3"/>
-            <a:endCxn id="38" idx="1"/>
-          </p:cNvCxnSpPr>
-          <p:nvPr/>
-        </p:nvCxnSpPr>
-        <p:spPr>
-          <a:xfrm>
-            <a:off x="2209794" y="1141984"/>
-            <a:ext cx="4016637" cy="4146571"/>
-          </a:xfrm>
-          <a:prstGeom prst="bentConnector3">
-            <a:avLst>
-              <a:gd name="adj1" fmla="val 735"/>
-            </a:avLst>
-          </a:prstGeom>
-          <a:ln w="12700">
-            <a:solidFill>
-              <a:schemeClr val="accent3"/>
-            </a:solidFill>
-            <a:tailEnd type="triangle" w="med" len="med"/>
-          </a:ln>
-        </p:spPr>
-        <p:style>
-          <a:lnRef idx="1">
-            <a:schemeClr val="accent1"/>
-          </a:lnRef>
-          <a:fillRef idx="0">
-            <a:schemeClr val="accent1"/>
-          </a:fillRef>
-          <a:effectRef idx="0">
-            <a:schemeClr val="accent1"/>
-          </a:effectRef>
-          <a:fontRef idx="minor">
-            <a:schemeClr val="tx1"/>
-          </a:fontRef>
-        </p:style>
-      </p:cxnSp>
       <p:grpSp>
         <p:nvGrpSpPr>
           <p:cNvPr id="6" name="Group 5"/>
@@ -4418,47 +4336,6 @@
       </p:cxnSp>
       <p:cxnSp>
         <p:nvCxnSpPr>
-          <p:cNvPr id="65" name="Elbow Connector 64"/>
-          <p:cNvCxnSpPr>
-            <a:stCxn id="14" idx="3"/>
-            <a:endCxn id="47" idx="3"/>
-          </p:cNvCxnSpPr>
-          <p:nvPr/>
-        </p:nvCxnSpPr>
-        <p:spPr>
-          <a:xfrm>
-            <a:off x="6792994" y="850473"/>
-            <a:ext cx="1373838" cy="3628339"/>
-          </a:xfrm>
-          <a:prstGeom prst="bentConnector3">
-            <a:avLst>
-              <a:gd name="adj1" fmla="val 116640"/>
-            </a:avLst>
-          </a:prstGeom>
-          <a:ln w="12700">
-            <a:solidFill>
-              <a:schemeClr val="accent3"/>
-            </a:solidFill>
-            <a:tailEnd type="triangle" w="med" len="med"/>
-          </a:ln>
-        </p:spPr>
-        <p:style>
-          <a:lnRef idx="1">
-            <a:schemeClr val="accent1"/>
-          </a:lnRef>
-          <a:fillRef idx="0">
-            <a:schemeClr val="accent1"/>
-          </a:fillRef>
-          <a:effectRef idx="0">
-            <a:schemeClr val="accent1"/>
-          </a:effectRef>
-          <a:fontRef idx="minor">
-            <a:schemeClr val="tx1"/>
-          </a:fontRef>
-        </p:style>
-      </p:cxnSp>
-      <p:cxnSp>
-        <p:nvCxnSpPr>
           <p:cNvPr id="68" name="Elbow Connector 67"/>
           <p:cNvCxnSpPr>
             <a:stCxn id="14" idx="3"/>
@@ -4503,14 +4380,14 @@
           <p:cNvPr id="71" name="Elbow Connector 70"/>
           <p:cNvCxnSpPr>
             <a:stCxn id="10" idx="1"/>
-            <a:endCxn id="47" idx="1"/>
+            <a:endCxn id="51" idx="1"/>
           </p:cNvCxnSpPr>
           <p:nvPr/>
         </p:nvCxnSpPr>
         <p:spPr>
           <a:xfrm rot="10800000" flipH="1" flipV="1">
             <a:off x="269394" y="571708"/>
-            <a:ext cx="5957038" cy="3907104"/>
+            <a:ext cx="5957038" cy="4445876"/>
           </a:xfrm>
           <a:prstGeom prst="bentConnector3">
             <a:avLst>
@@ -4553,14 +4430,14 @@
           <p:cNvPr id="75" name="Elbow Connector 74"/>
           <p:cNvCxnSpPr>
             <a:stCxn id="10" idx="1"/>
-            <a:endCxn id="48" idx="1"/>
+            <a:endCxn id="38" idx="1"/>
           </p:cNvCxnSpPr>
           <p:nvPr/>
         </p:nvCxnSpPr>
         <p:spPr>
           <a:xfrm rot="10800000" flipH="1" flipV="1">
-            <a:off x="269394" y="571708"/>
-            <a:ext cx="5957038" cy="4173740"/>
+            <a:off x="269393" y="571707"/>
+            <a:ext cx="5957037" cy="4716847"/>
           </a:xfrm>
           <a:prstGeom prst="bentConnector3">
             <a:avLst>
@@ -4784,7 +4661,7 @@
                   </a:solidFill>
                   <a:latin typeface="Consolas" panose="020B0609020204030204" pitchFamily="49" charset="0"/>
                 </a:rPr>
-                <a:t>points2raster</a:t>
+                <a:t>rasterize</a:t>
               </a:r>
               <a:endParaRPr lang="en-US" altLang="en-US" sz="1200" dirty="0">
                 <a:latin typeface="Arial" panose="020B0604020202020204" pitchFamily="34" charset="0"/>
@@ -5628,6 +5505,307 @@
           </a:fontRef>
         </p:style>
       </p:cxnSp>
+      <p:cxnSp>
+        <p:nvCxnSpPr>
+          <p:cNvPr id="61" name="Elbow Connector 60"/>
+          <p:cNvCxnSpPr>
+            <a:stCxn id="12" idx="3"/>
+            <a:endCxn id="10" idx="3"/>
+          </p:cNvCxnSpPr>
+          <p:nvPr/>
+        </p:nvCxnSpPr>
+        <p:spPr>
+          <a:xfrm flipV="1">
+            <a:off x="2209794" y="571708"/>
+            <a:ext cx="12700" cy="570276"/>
+          </a:xfrm>
+          <a:prstGeom prst="bentConnector3">
+            <a:avLst>
+              <a:gd name="adj1" fmla="val 962795"/>
+            </a:avLst>
+          </a:prstGeom>
+          <a:ln w="12700">
+            <a:solidFill>
+              <a:schemeClr val="accent4">
+                <a:lumMod val="60000"/>
+                <a:lumOff val="40000"/>
+              </a:schemeClr>
+            </a:solidFill>
+            <a:tailEnd type="triangle" w="med" len="med"/>
+          </a:ln>
+        </p:spPr>
+        <p:style>
+          <a:lnRef idx="1">
+            <a:schemeClr val="accent1"/>
+          </a:lnRef>
+          <a:fillRef idx="0">
+            <a:schemeClr val="accent1"/>
+          </a:fillRef>
+          <a:effectRef idx="0">
+            <a:schemeClr val="accent1"/>
+          </a:effectRef>
+          <a:fontRef idx="minor">
+            <a:schemeClr val="tx1"/>
+          </a:fontRef>
+        </p:style>
+      </p:cxnSp>
+      <p:cxnSp>
+        <p:nvCxnSpPr>
+          <p:cNvPr id="66" name="Elbow Connector 65"/>
+          <p:cNvCxnSpPr>
+            <a:stCxn id="18" idx="3"/>
+            <a:endCxn id="26" idx="1"/>
+          </p:cNvCxnSpPr>
+          <p:nvPr/>
+        </p:nvCxnSpPr>
+        <p:spPr>
+          <a:xfrm>
+            <a:off x="4514472" y="2251020"/>
+            <a:ext cx="338122" cy="289360"/>
+          </a:xfrm>
+          <a:prstGeom prst="bentConnector3">
+            <a:avLst>
+              <a:gd name="adj1" fmla="val 50000"/>
+            </a:avLst>
+          </a:prstGeom>
+          <a:ln w="12700">
+            <a:solidFill>
+              <a:schemeClr val="accent3"/>
+            </a:solidFill>
+            <a:tailEnd type="triangle" w="med" len="med"/>
+          </a:ln>
+        </p:spPr>
+        <p:style>
+          <a:lnRef idx="1">
+            <a:schemeClr val="accent1"/>
+          </a:lnRef>
+          <a:fillRef idx="0">
+            <a:schemeClr val="accent1"/>
+          </a:fillRef>
+          <a:effectRef idx="0">
+            <a:schemeClr val="accent1"/>
+          </a:effectRef>
+          <a:fontRef idx="minor">
+            <a:schemeClr val="tx1"/>
+          </a:fontRef>
+        </p:style>
+      </p:cxnSp>
+      <p:cxnSp>
+        <p:nvCxnSpPr>
+          <p:cNvPr id="67" name="Elbow Connector 66"/>
+          <p:cNvCxnSpPr>
+            <a:stCxn id="26" idx="3"/>
+            <a:endCxn id="47" idx="3"/>
+          </p:cNvCxnSpPr>
+          <p:nvPr/>
+        </p:nvCxnSpPr>
+        <p:spPr>
+          <a:xfrm>
+            <a:off x="6792994" y="2540380"/>
+            <a:ext cx="1373838" cy="1938432"/>
+          </a:xfrm>
+          <a:prstGeom prst="bentConnector3">
+            <a:avLst>
+              <a:gd name="adj1" fmla="val 110449"/>
+            </a:avLst>
+          </a:prstGeom>
+          <a:ln w="9525">
+            <a:solidFill>
+              <a:schemeClr val="accent3">
+                <a:lumMod val="75000"/>
+              </a:schemeClr>
+            </a:solidFill>
+            <a:prstDash val="solid"/>
+            <a:tailEnd type="triangle" w="med" len="med"/>
+          </a:ln>
+        </p:spPr>
+        <p:style>
+          <a:lnRef idx="1">
+            <a:schemeClr val="accent1"/>
+          </a:lnRef>
+          <a:fillRef idx="0">
+            <a:schemeClr val="accent1"/>
+          </a:fillRef>
+          <a:effectRef idx="0">
+            <a:schemeClr val="accent1"/>
+          </a:effectRef>
+          <a:fontRef idx="minor">
+            <a:schemeClr val="tx1"/>
+          </a:fontRef>
+        </p:style>
+      </p:cxnSp>
+      <p:cxnSp>
+        <p:nvCxnSpPr>
+          <p:cNvPr id="72" name="Elbow Connector 71"/>
+          <p:cNvCxnSpPr>
+            <a:stCxn id="26" idx="3"/>
+            <a:endCxn id="51" idx="3"/>
+          </p:cNvCxnSpPr>
+          <p:nvPr/>
+        </p:nvCxnSpPr>
+        <p:spPr>
+          <a:xfrm>
+            <a:off x="6792994" y="2540380"/>
+            <a:ext cx="1373838" cy="2477204"/>
+          </a:xfrm>
+          <a:prstGeom prst="bentConnector3">
+            <a:avLst>
+              <a:gd name="adj1" fmla="val 110449"/>
+            </a:avLst>
+          </a:prstGeom>
+          <a:ln w="9525">
+            <a:solidFill>
+              <a:schemeClr val="accent3">
+                <a:lumMod val="75000"/>
+              </a:schemeClr>
+            </a:solidFill>
+            <a:prstDash val="solid"/>
+            <a:tailEnd type="triangle" w="med" len="med"/>
+          </a:ln>
+        </p:spPr>
+        <p:style>
+          <a:lnRef idx="1">
+            <a:schemeClr val="accent1"/>
+          </a:lnRef>
+          <a:fillRef idx="0">
+            <a:schemeClr val="accent1"/>
+          </a:fillRef>
+          <a:effectRef idx="0">
+            <a:schemeClr val="accent1"/>
+          </a:effectRef>
+          <a:fontRef idx="minor">
+            <a:schemeClr val="tx1"/>
+          </a:fontRef>
+        </p:style>
+      </p:cxnSp>
+      <p:cxnSp>
+        <p:nvCxnSpPr>
+          <p:cNvPr id="76" name="Elbow Connector 75"/>
+          <p:cNvCxnSpPr>
+            <a:stCxn id="26" idx="3"/>
+            <a:endCxn id="38" idx="3"/>
+          </p:cNvCxnSpPr>
+          <p:nvPr/>
+        </p:nvCxnSpPr>
+        <p:spPr>
+          <a:xfrm>
+            <a:off x="6792994" y="2540380"/>
+            <a:ext cx="1373837" cy="2748175"/>
+          </a:xfrm>
+          <a:prstGeom prst="bentConnector3">
+            <a:avLst>
+              <a:gd name="adj1" fmla="val 110964"/>
+            </a:avLst>
+          </a:prstGeom>
+          <a:ln w="9525">
+            <a:solidFill>
+              <a:schemeClr val="accent3">
+                <a:lumMod val="75000"/>
+              </a:schemeClr>
+            </a:solidFill>
+            <a:prstDash val="solid"/>
+            <a:tailEnd type="triangle" w="med" len="med"/>
+          </a:ln>
+        </p:spPr>
+        <p:style>
+          <a:lnRef idx="1">
+            <a:schemeClr val="accent1"/>
+          </a:lnRef>
+          <a:fillRef idx="0">
+            <a:schemeClr val="accent1"/>
+          </a:fillRef>
+          <a:effectRef idx="0">
+            <a:schemeClr val="accent1"/>
+          </a:effectRef>
+          <a:fontRef idx="minor">
+            <a:schemeClr val="tx1"/>
+          </a:fontRef>
+        </p:style>
+      </p:cxnSp>
+      <p:cxnSp>
+        <p:nvCxnSpPr>
+          <p:cNvPr id="80" name="Elbow Connector 79"/>
+          <p:cNvCxnSpPr>
+            <a:stCxn id="24" idx="3"/>
+            <a:endCxn id="38" idx="3"/>
+          </p:cNvCxnSpPr>
+          <p:nvPr/>
+        </p:nvCxnSpPr>
+        <p:spPr>
+          <a:xfrm>
+            <a:off x="6792994" y="2815984"/>
+            <a:ext cx="1373837" cy="2472571"/>
+          </a:xfrm>
+          <a:prstGeom prst="bentConnector3">
+            <a:avLst>
+              <a:gd name="adj1" fmla="val 107280"/>
+            </a:avLst>
+          </a:prstGeom>
+          <a:ln w="9525">
+            <a:solidFill>
+              <a:srgbClr val="7030A0"/>
+            </a:solidFill>
+            <a:prstDash val="solid"/>
+            <a:tailEnd type="triangle" w="med" len="med"/>
+          </a:ln>
+        </p:spPr>
+        <p:style>
+          <a:lnRef idx="1">
+            <a:schemeClr val="accent1"/>
+          </a:lnRef>
+          <a:fillRef idx="0">
+            <a:schemeClr val="accent1"/>
+          </a:fillRef>
+          <a:effectRef idx="0">
+            <a:schemeClr val="accent1"/>
+          </a:effectRef>
+          <a:fontRef idx="minor">
+            <a:schemeClr val="tx1"/>
+          </a:fontRef>
+        </p:style>
+      </p:cxnSp>
+      <p:cxnSp>
+        <p:nvCxnSpPr>
+          <p:cNvPr id="84" name="Elbow Connector 83"/>
+          <p:cNvCxnSpPr>
+            <a:stCxn id="24" idx="3"/>
+            <a:endCxn id="51" idx="3"/>
+          </p:cNvCxnSpPr>
+          <p:nvPr/>
+        </p:nvCxnSpPr>
+        <p:spPr>
+          <a:xfrm>
+            <a:off x="6792994" y="2815984"/>
+            <a:ext cx="1373838" cy="2201600"/>
+          </a:xfrm>
+          <a:prstGeom prst="bentConnector3">
+            <a:avLst>
+              <a:gd name="adj1" fmla="val 107800"/>
+            </a:avLst>
+          </a:prstGeom>
+          <a:ln w="9525">
+            <a:solidFill>
+              <a:srgbClr val="7030A0"/>
+            </a:solidFill>
+            <a:prstDash val="solid"/>
+            <a:tailEnd type="triangle" w="med" len="med"/>
+          </a:ln>
+        </p:spPr>
+        <p:style>
+          <a:lnRef idx="1">
+            <a:schemeClr val="accent1"/>
+          </a:lnRef>
+          <a:fillRef idx="0">
+            <a:schemeClr val="accent1"/>
+          </a:fillRef>
+          <a:effectRef idx="0">
+            <a:schemeClr val="accent1"/>
+          </a:effectRef>
+          <a:fontRef idx="minor">
+            <a:schemeClr val="tx1"/>
+          </a:fontRef>
+        </p:style>
+      </p:cxnSp>
     </p:spTree>
     <p:extLst>
       <p:ext uri="{BB962C8B-B14F-4D97-AF65-F5344CB8AC3E}">

--- a/graphs/geo-utils-uml.pptx
+++ b/graphs/geo-utils-uml.pptx
@@ -243,7 +243,7 @@
           <a:p>
             <a:fld id="{F26F8DF3-DDE4-4A22-B8E4-10B2EE9930CA}" type="datetimeFigureOut">
               <a:rPr lang="en-US" smtClean="0"/>
-              <a:t>7/10/2020</a:t>
+              <a:t>10/23/2020</a:t>
             </a:fld>
             <a:endParaRPr lang="en-US"/>
           </a:p>
@@ -413,7 +413,7 @@
           <a:p>
             <a:fld id="{F26F8DF3-DDE4-4A22-B8E4-10B2EE9930CA}" type="datetimeFigureOut">
               <a:rPr lang="en-US" smtClean="0"/>
-              <a:t>7/10/2020</a:t>
+              <a:t>10/23/2020</a:t>
             </a:fld>
             <a:endParaRPr lang="en-US"/>
           </a:p>
@@ -593,7 +593,7 @@
           <a:p>
             <a:fld id="{F26F8DF3-DDE4-4A22-B8E4-10B2EE9930CA}" type="datetimeFigureOut">
               <a:rPr lang="en-US" smtClean="0"/>
-              <a:t>7/10/2020</a:t>
+              <a:t>10/23/2020</a:t>
             </a:fld>
             <a:endParaRPr lang="en-US"/>
           </a:p>
@@ -763,7 +763,7 @@
           <a:p>
             <a:fld id="{F26F8DF3-DDE4-4A22-B8E4-10B2EE9930CA}" type="datetimeFigureOut">
               <a:rPr lang="en-US" smtClean="0"/>
-              <a:t>7/10/2020</a:t>
+              <a:t>10/23/2020</a:t>
             </a:fld>
             <a:endParaRPr lang="en-US"/>
           </a:p>
@@ -1007,7 +1007,7 @@
           <a:p>
             <a:fld id="{F26F8DF3-DDE4-4A22-B8E4-10B2EE9930CA}" type="datetimeFigureOut">
               <a:rPr lang="en-US" smtClean="0"/>
-              <a:t>7/10/2020</a:t>
+              <a:t>10/23/2020</a:t>
             </a:fld>
             <a:endParaRPr lang="en-US"/>
           </a:p>
@@ -1239,7 +1239,7 @@
           <a:p>
             <a:fld id="{F26F8DF3-DDE4-4A22-B8E4-10B2EE9930CA}" type="datetimeFigureOut">
               <a:rPr lang="en-US" smtClean="0"/>
-              <a:t>7/10/2020</a:t>
+              <a:t>10/23/2020</a:t>
             </a:fld>
             <a:endParaRPr lang="en-US"/>
           </a:p>
@@ -1606,7 +1606,7 @@
           <a:p>
             <a:fld id="{F26F8DF3-DDE4-4A22-B8E4-10B2EE9930CA}" type="datetimeFigureOut">
               <a:rPr lang="en-US" smtClean="0"/>
-              <a:t>7/10/2020</a:t>
+              <a:t>10/23/2020</a:t>
             </a:fld>
             <a:endParaRPr lang="en-US"/>
           </a:p>
@@ -1724,7 +1724,7 @@
           <a:p>
             <a:fld id="{F26F8DF3-DDE4-4A22-B8E4-10B2EE9930CA}" type="datetimeFigureOut">
               <a:rPr lang="en-US" smtClean="0"/>
-              <a:t>7/10/2020</a:t>
+              <a:t>10/23/2020</a:t>
             </a:fld>
             <a:endParaRPr lang="en-US"/>
           </a:p>
@@ -1819,7 +1819,7 @@
           <a:p>
             <a:fld id="{F26F8DF3-DDE4-4A22-B8E4-10B2EE9930CA}" type="datetimeFigureOut">
               <a:rPr lang="en-US" smtClean="0"/>
-              <a:t>7/10/2020</a:t>
+              <a:t>10/23/2020</a:t>
             </a:fld>
             <a:endParaRPr lang="en-US"/>
           </a:p>
@@ -2096,7 +2096,7 @@
           <a:p>
             <a:fld id="{F26F8DF3-DDE4-4A22-B8E4-10B2EE9930CA}" type="datetimeFigureOut">
               <a:rPr lang="en-US" smtClean="0"/>
-              <a:t>7/10/2020</a:t>
+              <a:t>10/23/2020</a:t>
             </a:fld>
             <a:endParaRPr lang="en-US"/>
           </a:p>
@@ -2353,7 +2353,7 @@
           <a:p>
             <a:fld id="{F26F8DF3-DDE4-4A22-B8E4-10B2EE9930CA}" type="datetimeFigureOut">
               <a:rPr lang="en-US" smtClean="0"/>
-              <a:t>7/10/2020</a:t>
+              <a:t>10/23/2020</a:t>
             </a:fld>
             <a:endParaRPr lang="en-US"/>
           </a:p>
@@ -2567,7 +2567,7 @@
             <a:fld id="{F26F8DF3-DDE4-4A22-B8E4-10B2EE9930CA}" type="datetimeFigureOut">
               <a:rPr lang="en-US" smtClean="0"/>
               <a:pPr/>
-              <a:t>7/10/2020</a:t>
+              <a:t>10/23/2020</a:t>
             </a:fld>
             <a:endParaRPr lang="en-US"/>
           </a:p>
@@ -4600,7 +4600,7 @@
                   <a:latin typeface="Helvetica" panose="020B0604020202020204" pitchFamily="34" charset="0"/>
                   <a:cs typeface="Helvetica" panose="020B0604020202020204" pitchFamily="34" charset="0"/>
                 </a:rPr>
-                <a:t>geo_tools</a:t>
+                <a:t>geo_utils</a:t>
               </a:r>
               <a:endParaRPr lang="en-US" sz="1400" b="1" dirty="0">
                 <a:latin typeface="Helvetica" panose="020B0604020202020204" pitchFamily="34" charset="0"/>
